--- a/project.pptx
+++ b/project.pptx
@@ -6,12 +6,10 @@
   </p:sldMasterIdLst>
   <p:sldIdLst>
     <p:sldId id="261" r:id="rId2"/>
-    <p:sldId id="258" r:id="rId3"/>
+    <p:sldId id="265" r:id="rId3"/>
     <p:sldId id="262" r:id="rId4"/>
     <p:sldId id="263" r:id="rId5"/>
     <p:sldId id="264" r:id="rId6"/>
-    <p:sldId id="257" r:id="rId7"/>
-    <p:sldId id="256" r:id="rId8"/>
   </p:sldIdLst>
   <p:sldSz cx="12192000" cy="6858000"/>
   <p:notesSz cx="6858000" cy="9144000"/>
@@ -3419,57 +3417,1875 @@
       </p:grpSpPr>
       <p:sp>
         <p:nvSpPr>
-          <p:cNvPr id="2" name="כותרת 1">
-            <a:extLst>
-              <a:ext uri="{FF2B5EF4-FFF2-40B4-BE49-F238E27FC236}">
-                <a16:creationId xmlns:a16="http://schemas.microsoft.com/office/drawing/2014/main" id="{3D5618E4-1655-14A8-37A6-65059EAE1A3B}"/>
-              </a:ext>
-            </a:extLst>
-          </p:cNvPr>
-          <p:cNvSpPr>
-            <a:spLocks noGrp="1"/>
-          </p:cNvSpPr>
-          <p:nvPr>
-            <p:ph type="ctrTitle"/>
-          </p:nvPr>
+          <p:cNvPr id="4" name="מלבן: פינות מעוגלות 3">
+            <a:extLst>
+              <a:ext uri="{FF2B5EF4-FFF2-40B4-BE49-F238E27FC236}">
+                <a16:creationId xmlns:a16="http://schemas.microsoft.com/office/drawing/2014/main" id="{D828FA60-1B80-C29B-1A09-DF53BD507E05}"/>
+              </a:ext>
+            </a:extLst>
+          </p:cNvPr>
+          <p:cNvSpPr/>
+          <p:nvPr/>
         </p:nvSpPr>
         <p:spPr>
           <a:xfrm>
-            <a:off x="838200" y="1808163"/>
-            <a:ext cx="9875520" cy="2387600"/>
+            <a:off x="7054737" y="447656"/>
+            <a:ext cx="1343610" cy="407164"/>
           </a:xfrm>
+          <a:prstGeom prst="roundRect">
+            <a:avLst/>
+          </a:prstGeom>
         </p:spPr>
+        <p:style>
+          <a:lnRef idx="2">
+            <a:schemeClr val="accent1"/>
+          </a:lnRef>
+          <a:fillRef idx="1">
+            <a:schemeClr val="lt1"/>
+          </a:fillRef>
+          <a:effectRef idx="0">
+            <a:schemeClr val="accent1"/>
+          </a:effectRef>
+          <a:fontRef idx="minor">
+            <a:schemeClr val="dk1"/>
+          </a:fontRef>
+        </p:style>
         <p:txBody>
-          <a:bodyPr>
-            <a:noAutofit/>
-          </a:bodyPr>
+          <a:bodyPr rtlCol="1" anchor="ctr"/>
           <a:lstStyle/>
           <a:p>
+            <a:pPr marL="0" marR="0" lvl="0" indent="0" algn="ctr" defTabSz="914400" rtl="1" eaLnBrk="1" fontAlgn="auto" latinLnBrk="0" hangingPunct="1">
+              <a:lnSpc>
+                <a:spcPct val="100000"/>
+              </a:lnSpc>
+              <a:spcBef>
+                <a:spcPts val="0"/>
+              </a:spcBef>
+              <a:spcAft>
+                <a:spcPts val="0"/>
+              </a:spcAft>
+              <a:buClrTx/>
+              <a:buSzTx/>
+              <a:buFontTx/>
+              <a:buNone/>
+              <a:tabLst/>
+              <a:defRPr/>
+            </a:pPr>
             <a:r>
-              <a:rPr lang="he-IL" sz="9600" b="1" dirty="0">
-                <a:cs typeface="Ahla" pitchFamily="2" charset="-79"/>
+              <a:rPr kumimoji="0" lang="en-US" sz="1800" b="0" i="0" u="none" strike="noStrike" kern="1200" cap="none" spc="0" normalizeH="0" baseline="0" noProof="0" dirty="0" err="1">
+                <a:ln>
+                  <a:noFill/>
+                </a:ln>
+                <a:solidFill>
+                  <a:prstClr val="black"/>
+                </a:solidFill>
+                <a:effectLst/>
+                <a:uLnTx/>
+                <a:uFillTx/>
+                <a:latin typeface="Calibri" panose="020F0502020204030204"/>
+                <a:ea typeface="+mn-ea"/>
+                <a:cs typeface="+mn-cs"/>
               </a:rPr>
-              <a:t>-טבלת </a:t>
+              <a:t>Applayout</a:t>
             </a:r>
-            <a:r>
-              <a:rPr lang="he-IL" sz="9600" b="1" dirty="0" err="1">
-                <a:cs typeface="Ahla" pitchFamily="2" charset="-79"/>
-              </a:rPr>
-              <a:t>קומפוננטות</a:t>
-            </a:r>
-            <a:r>
-              <a:rPr lang="he-IL" sz="9600" b="1" dirty="0">
-                <a:cs typeface="Ahla" pitchFamily="2" charset="-79"/>
-              </a:rPr>
-              <a:t>-</a:t>
-            </a:r>
+            <a:endParaRPr kumimoji="0" lang="en-US" sz="1800" b="0" i="0" u="none" strike="noStrike" kern="1200" cap="none" spc="0" normalizeH="0" baseline="0" noProof="0" dirty="0">
+              <a:ln>
+                <a:noFill/>
+              </a:ln>
+              <a:solidFill>
+                <a:prstClr val="black"/>
+              </a:solidFill>
+              <a:effectLst/>
+              <a:uLnTx/>
+              <a:uFillTx/>
+              <a:latin typeface="Calibri" panose="020F0502020204030204"/>
+              <a:ea typeface="+mn-ea"/>
+              <a:cs typeface="+mn-cs"/>
+            </a:endParaRPr>
           </a:p>
         </p:txBody>
       </p:sp>
+      <p:sp>
+        <p:nvSpPr>
+          <p:cNvPr id="5" name="מלבן: פינות מעוגלות 4">
+            <a:extLst>
+              <a:ext uri="{FF2B5EF4-FFF2-40B4-BE49-F238E27FC236}">
+                <a16:creationId xmlns:a16="http://schemas.microsoft.com/office/drawing/2014/main" id="{7EDBCC01-77A2-3EA3-7538-B32D9C52E8DF}"/>
+              </a:ext>
+            </a:extLst>
+          </p:cNvPr>
+          <p:cNvSpPr/>
+          <p:nvPr/>
+        </p:nvSpPr>
+        <p:spPr>
+          <a:xfrm>
+            <a:off x="10261359" y="3057759"/>
+            <a:ext cx="1343610" cy="407164"/>
+          </a:xfrm>
+          <a:prstGeom prst="roundRect">
+            <a:avLst/>
+          </a:prstGeom>
+        </p:spPr>
+        <p:style>
+          <a:lnRef idx="2">
+            <a:schemeClr val="accent1"/>
+          </a:lnRef>
+          <a:fillRef idx="1">
+            <a:schemeClr val="lt1"/>
+          </a:fillRef>
+          <a:effectRef idx="0">
+            <a:schemeClr val="accent1"/>
+          </a:effectRef>
+          <a:fontRef idx="minor">
+            <a:schemeClr val="dk1"/>
+          </a:fontRef>
+        </p:style>
+        <p:txBody>
+          <a:bodyPr rtlCol="1" anchor="ctr"/>
+          <a:lstStyle/>
+          <a:p>
+            <a:pPr marL="0" marR="0" lvl="0" indent="0" algn="ctr" defTabSz="914400" rtl="1" eaLnBrk="1" fontAlgn="auto" latinLnBrk="0" hangingPunct="1">
+              <a:lnSpc>
+                <a:spcPct val="100000"/>
+              </a:lnSpc>
+              <a:spcBef>
+                <a:spcPts val="0"/>
+              </a:spcBef>
+              <a:spcAft>
+                <a:spcPts val="0"/>
+              </a:spcAft>
+              <a:buClrTx/>
+              <a:buSzTx/>
+              <a:buFontTx/>
+              <a:buNone/>
+              <a:tabLst/>
+              <a:defRPr/>
+            </a:pPr>
+            <a:r>
+              <a:rPr kumimoji="0" lang="en-US" sz="1800" b="0" i="0" u="none" strike="noStrike" kern="1200" cap="none" spc="0" normalizeH="0" baseline="0" noProof="0" dirty="0" err="1">
+                <a:ln>
+                  <a:noFill/>
+                </a:ln>
+                <a:solidFill>
+                  <a:prstClr val="black"/>
+                </a:solidFill>
+                <a:effectLst/>
+                <a:uLnTx/>
+                <a:uFillTx/>
+                <a:latin typeface="Calibri" panose="020F0502020204030204"/>
+                <a:ea typeface="+mn-ea"/>
+                <a:cs typeface="+mn-cs"/>
+              </a:rPr>
+              <a:t>NavBar</a:t>
+            </a:r>
+            <a:endParaRPr kumimoji="0" lang="en-US" sz="1800" b="0" i="0" u="none" strike="noStrike" kern="1200" cap="none" spc="0" normalizeH="0" baseline="0" noProof="0" dirty="0">
+              <a:ln>
+                <a:noFill/>
+              </a:ln>
+              <a:solidFill>
+                <a:prstClr val="black"/>
+              </a:solidFill>
+              <a:effectLst/>
+              <a:uLnTx/>
+              <a:uFillTx/>
+              <a:latin typeface="Calibri" panose="020F0502020204030204"/>
+              <a:ea typeface="+mn-ea"/>
+              <a:cs typeface="+mn-cs"/>
+            </a:endParaRPr>
+          </a:p>
+        </p:txBody>
+      </p:sp>
+      <p:sp>
+        <p:nvSpPr>
+          <p:cNvPr id="6" name="מלבן: פינות מעוגלות 5">
+            <a:extLst>
+              <a:ext uri="{FF2B5EF4-FFF2-40B4-BE49-F238E27FC236}">
+                <a16:creationId xmlns:a16="http://schemas.microsoft.com/office/drawing/2014/main" id="{7F60EDD7-5AFD-C566-C5E6-D8FDD17C78D0}"/>
+              </a:ext>
+            </a:extLst>
+          </p:cNvPr>
+          <p:cNvSpPr/>
+          <p:nvPr/>
+        </p:nvSpPr>
+        <p:spPr>
+          <a:xfrm>
+            <a:off x="8768460" y="3059497"/>
+            <a:ext cx="1343610" cy="407164"/>
+          </a:xfrm>
+          <a:prstGeom prst="roundRect">
+            <a:avLst/>
+          </a:prstGeom>
+        </p:spPr>
+        <p:style>
+          <a:lnRef idx="2">
+            <a:schemeClr val="accent1"/>
+          </a:lnRef>
+          <a:fillRef idx="1">
+            <a:schemeClr val="lt1"/>
+          </a:fillRef>
+          <a:effectRef idx="0">
+            <a:schemeClr val="accent1"/>
+          </a:effectRef>
+          <a:fontRef idx="minor">
+            <a:schemeClr val="dk1"/>
+          </a:fontRef>
+        </p:style>
+        <p:txBody>
+          <a:bodyPr rtlCol="1" anchor="ctr"/>
+          <a:lstStyle/>
+          <a:p>
+            <a:pPr marL="0" marR="0" lvl="0" indent="0" algn="ctr" defTabSz="914400" rtl="1" eaLnBrk="1" fontAlgn="auto" latinLnBrk="0" hangingPunct="1">
+              <a:lnSpc>
+                <a:spcPct val="100000"/>
+              </a:lnSpc>
+              <a:spcBef>
+                <a:spcPts val="0"/>
+              </a:spcBef>
+              <a:spcAft>
+                <a:spcPts val="0"/>
+              </a:spcAft>
+              <a:buClrTx/>
+              <a:buSzTx/>
+              <a:buFontTx/>
+              <a:buNone/>
+              <a:tabLst/>
+              <a:defRPr/>
+            </a:pPr>
+            <a:r>
+              <a:rPr kumimoji="0" lang="en-US" sz="1800" b="0" i="0" u="none" strike="noStrike" kern="1200" cap="none" spc="0" normalizeH="0" baseline="0" noProof="0" dirty="0" err="1">
+                <a:ln>
+                  <a:noFill/>
+                </a:ln>
+                <a:solidFill>
+                  <a:prstClr val="black"/>
+                </a:solidFill>
+                <a:effectLst/>
+                <a:uLnTx/>
+                <a:uFillTx/>
+                <a:latin typeface="Calibri" panose="020F0502020204030204"/>
+                <a:ea typeface="+mn-ea"/>
+                <a:cs typeface="+mn-cs"/>
+              </a:rPr>
+              <a:t>UserName</a:t>
+            </a:r>
+            <a:endParaRPr kumimoji="0" lang="en-US" sz="1800" b="0" i="0" u="none" strike="noStrike" kern="1200" cap="none" spc="0" normalizeH="0" baseline="0" noProof="0" dirty="0">
+              <a:ln>
+                <a:noFill/>
+              </a:ln>
+              <a:solidFill>
+                <a:prstClr val="black"/>
+              </a:solidFill>
+              <a:effectLst/>
+              <a:uLnTx/>
+              <a:uFillTx/>
+              <a:latin typeface="Calibri" panose="020F0502020204030204"/>
+              <a:ea typeface="+mn-ea"/>
+              <a:cs typeface="+mn-cs"/>
+            </a:endParaRPr>
+          </a:p>
+        </p:txBody>
+      </p:sp>
+      <p:sp>
+        <p:nvSpPr>
+          <p:cNvPr id="7" name="מלבן: פינות מעוגלות 6">
+            <a:extLst>
+              <a:ext uri="{FF2B5EF4-FFF2-40B4-BE49-F238E27FC236}">
+                <a16:creationId xmlns:a16="http://schemas.microsoft.com/office/drawing/2014/main" id="{34B1C5FD-D9F3-CF67-07BC-62DCD29168E1}"/>
+              </a:ext>
+            </a:extLst>
+          </p:cNvPr>
+          <p:cNvSpPr/>
+          <p:nvPr/>
+        </p:nvSpPr>
+        <p:spPr>
+          <a:xfrm>
+            <a:off x="7269340" y="3059497"/>
+            <a:ext cx="1343612" cy="407164"/>
+          </a:xfrm>
+          <a:prstGeom prst="roundRect">
+            <a:avLst/>
+          </a:prstGeom>
+        </p:spPr>
+        <p:style>
+          <a:lnRef idx="2">
+            <a:schemeClr val="accent1"/>
+          </a:lnRef>
+          <a:fillRef idx="1">
+            <a:schemeClr val="lt1"/>
+          </a:fillRef>
+          <a:effectRef idx="0">
+            <a:schemeClr val="accent1"/>
+          </a:effectRef>
+          <a:fontRef idx="minor">
+            <a:schemeClr val="dk1"/>
+          </a:fontRef>
+        </p:style>
+        <p:txBody>
+          <a:bodyPr rtlCol="1" anchor="ctr"/>
+          <a:lstStyle/>
+          <a:p>
+            <a:pPr marL="0" marR="0" lvl="0" indent="0" algn="ctr" defTabSz="914400" rtl="1" eaLnBrk="1" fontAlgn="auto" latinLnBrk="0" hangingPunct="1">
+              <a:lnSpc>
+                <a:spcPct val="100000"/>
+              </a:lnSpc>
+              <a:spcBef>
+                <a:spcPts val="0"/>
+              </a:spcBef>
+              <a:spcAft>
+                <a:spcPts val="0"/>
+              </a:spcAft>
+              <a:buClrTx/>
+              <a:buSzTx/>
+              <a:buFontTx/>
+              <a:buNone/>
+              <a:tabLst/>
+              <a:defRPr/>
+            </a:pPr>
+            <a:r>
+              <a:rPr kumimoji="0" lang="en-US" sz="1800" b="0" i="0" u="none" strike="noStrike" kern="1200" cap="none" spc="0" normalizeH="0" baseline="0" noProof="0" dirty="0">
+                <a:ln>
+                  <a:noFill/>
+                </a:ln>
+                <a:solidFill>
+                  <a:prstClr val="black"/>
+                </a:solidFill>
+                <a:effectLst/>
+                <a:uLnTx/>
+                <a:uFillTx/>
+                <a:latin typeface="Calibri" panose="020F0502020204030204"/>
+                <a:ea typeface="+mn-ea"/>
+                <a:cs typeface="+mn-cs"/>
+              </a:rPr>
+              <a:t>Login</a:t>
+            </a:r>
+          </a:p>
+        </p:txBody>
+      </p:sp>
+      <p:sp>
+        <p:nvSpPr>
+          <p:cNvPr id="9" name="מלבן: פינות מעוגלות 8">
+            <a:extLst>
+              <a:ext uri="{FF2B5EF4-FFF2-40B4-BE49-F238E27FC236}">
+                <a16:creationId xmlns:a16="http://schemas.microsoft.com/office/drawing/2014/main" id="{BC466F0D-069F-0F39-7EBF-D16315D3BB13}"/>
+              </a:ext>
+            </a:extLst>
+          </p:cNvPr>
+          <p:cNvSpPr/>
+          <p:nvPr/>
+        </p:nvSpPr>
+        <p:spPr>
+          <a:xfrm>
+            <a:off x="8684990" y="2068965"/>
+            <a:ext cx="1343610" cy="407164"/>
+          </a:xfrm>
+          <a:prstGeom prst="roundRect">
+            <a:avLst/>
+          </a:prstGeom>
+        </p:spPr>
+        <p:style>
+          <a:lnRef idx="2">
+            <a:schemeClr val="accent1"/>
+          </a:lnRef>
+          <a:fillRef idx="1">
+            <a:schemeClr val="lt1"/>
+          </a:fillRef>
+          <a:effectRef idx="0">
+            <a:schemeClr val="accent1"/>
+          </a:effectRef>
+          <a:fontRef idx="minor">
+            <a:schemeClr val="dk1"/>
+          </a:fontRef>
+        </p:style>
+        <p:txBody>
+          <a:bodyPr rtlCol="1" anchor="ctr"/>
+          <a:lstStyle/>
+          <a:p>
+            <a:pPr marL="0" marR="0" lvl="0" indent="0" algn="ctr" defTabSz="914400" rtl="1" eaLnBrk="1" fontAlgn="auto" latinLnBrk="0" hangingPunct="1">
+              <a:lnSpc>
+                <a:spcPct val="100000"/>
+              </a:lnSpc>
+              <a:spcBef>
+                <a:spcPts val="0"/>
+              </a:spcBef>
+              <a:spcAft>
+                <a:spcPts val="0"/>
+              </a:spcAft>
+              <a:buClrTx/>
+              <a:buSzTx/>
+              <a:buFontTx/>
+              <a:buNone/>
+              <a:tabLst/>
+              <a:defRPr/>
+            </a:pPr>
+            <a:r>
+              <a:rPr kumimoji="0" lang="en-US" sz="1800" b="0" i="0" u="none" strike="noStrike" kern="1200" cap="none" spc="0" normalizeH="0" baseline="0" noProof="0" dirty="0">
+                <a:ln>
+                  <a:noFill/>
+                </a:ln>
+                <a:solidFill>
+                  <a:prstClr val="black"/>
+                </a:solidFill>
+                <a:effectLst/>
+                <a:uLnTx/>
+                <a:uFillTx/>
+                <a:latin typeface="Calibri" panose="020F0502020204030204"/>
+                <a:ea typeface="+mn-ea"/>
+                <a:cs typeface="+mn-cs"/>
+              </a:rPr>
+              <a:t>Header</a:t>
+            </a:r>
+          </a:p>
+        </p:txBody>
+      </p:sp>
+      <p:sp>
+        <p:nvSpPr>
+          <p:cNvPr id="10" name="מלבן: פינות מעוגלות 9">
+            <a:extLst>
+              <a:ext uri="{FF2B5EF4-FFF2-40B4-BE49-F238E27FC236}">
+                <a16:creationId xmlns:a16="http://schemas.microsoft.com/office/drawing/2014/main" id="{7F95BCA9-F30A-1136-D13B-BC2A8013892D}"/>
+              </a:ext>
+            </a:extLst>
+          </p:cNvPr>
+          <p:cNvSpPr/>
+          <p:nvPr/>
+        </p:nvSpPr>
+        <p:spPr>
+          <a:xfrm>
+            <a:off x="8793398" y="3984616"/>
+            <a:ext cx="1343610" cy="407164"/>
+          </a:xfrm>
+          <a:prstGeom prst="roundRect">
+            <a:avLst/>
+          </a:prstGeom>
+        </p:spPr>
+        <p:style>
+          <a:lnRef idx="2">
+            <a:schemeClr val="accent1"/>
+          </a:lnRef>
+          <a:fillRef idx="1">
+            <a:schemeClr val="lt1"/>
+          </a:fillRef>
+          <a:effectRef idx="0">
+            <a:schemeClr val="accent1"/>
+          </a:effectRef>
+          <a:fontRef idx="minor">
+            <a:schemeClr val="dk1"/>
+          </a:fontRef>
+        </p:style>
+        <p:txBody>
+          <a:bodyPr rtlCol="1" anchor="ctr"/>
+          <a:lstStyle/>
+          <a:p>
+            <a:pPr marL="0" marR="0" lvl="0" indent="0" algn="ctr" defTabSz="914400" rtl="1" eaLnBrk="1" fontAlgn="auto" latinLnBrk="0" hangingPunct="1">
+              <a:lnSpc>
+                <a:spcPct val="100000"/>
+              </a:lnSpc>
+              <a:spcBef>
+                <a:spcPts val="0"/>
+              </a:spcBef>
+              <a:spcAft>
+                <a:spcPts val="0"/>
+              </a:spcAft>
+              <a:buClrTx/>
+              <a:buSzTx/>
+              <a:buFontTx/>
+              <a:buNone/>
+              <a:tabLst/>
+              <a:defRPr/>
+            </a:pPr>
+            <a:r>
+              <a:rPr kumimoji="0" lang="en-US" sz="1800" b="0" i="0" u="none" strike="noStrike" kern="1200" cap="none" spc="0" normalizeH="0" baseline="0" noProof="0" dirty="0">
+                <a:ln>
+                  <a:noFill/>
+                </a:ln>
+                <a:solidFill>
+                  <a:prstClr val="black"/>
+                </a:solidFill>
+                <a:effectLst/>
+                <a:uLnTx/>
+                <a:uFillTx/>
+                <a:latin typeface="Calibri" panose="020F0502020204030204"/>
+                <a:ea typeface="+mn-ea"/>
+                <a:cs typeface="+mn-cs"/>
+              </a:rPr>
+              <a:t>Update</a:t>
+            </a:r>
+          </a:p>
+        </p:txBody>
+      </p:sp>
+      <p:cxnSp>
+        <p:nvCxnSpPr>
+          <p:cNvPr id="28" name="מחבר חץ ישר 27">
+            <a:extLst>
+              <a:ext uri="{FF2B5EF4-FFF2-40B4-BE49-F238E27FC236}">
+                <a16:creationId xmlns:a16="http://schemas.microsoft.com/office/drawing/2014/main" id="{FC87FF54-65EF-7EFF-EF46-AA9C4E4456D0}"/>
+              </a:ext>
+            </a:extLst>
+          </p:cNvPr>
+          <p:cNvCxnSpPr>
+            <a:cxnSpLocks/>
+          </p:cNvCxnSpPr>
+          <p:nvPr/>
+        </p:nvCxnSpPr>
+        <p:spPr>
+          <a:xfrm flipH="1">
+            <a:off x="7919691" y="2533998"/>
+            <a:ext cx="873707" cy="449202"/>
+          </a:xfrm>
+          <a:prstGeom prst="straightConnector1">
+            <a:avLst/>
+          </a:prstGeom>
+          <a:ln>
+            <a:tailEnd type="triangle"/>
+          </a:ln>
+        </p:spPr>
+        <p:style>
+          <a:lnRef idx="1">
+            <a:schemeClr val="accent1"/>
+          </a:lnRef>
+          <a:fillRef idx="0">
+            <a:schemeClr val="accent1"/>
+          </a:fillRef>
+          <a:effectRef idx="0">
+            <a:schemeClr val="accent1"/>
+          </a:effectRef>
+          <a:fontRef idx="minor">
+            <a:schemeClr val="tx1"/>
+          </a:fontRef>
+        </p:style>
+      </p:cxnSp>
+      <p:cxnSp>
+        <p:nvCxnSpPr>
+          <p:cNvPr id="30" name="מחבר חץ ישר 29">
+            <a:extLst>
+              <a:ext uri="{FF2B5EF4-FFF2-40B4-BE49-F238E27FC236}">
+                <a16:creationId xmlns:a16="http://schemas.microsoft.com/office/drawing/2014/main" id="{E14E33A6-3CF5-CAE7-B895-1BB55AAFA925}"/>
+              </a:ext>
+            </a:extLst>
+          </p:cNvPr>
+          <p:cNvCxnSpPr>
+            <a:cxnSpLocks/>
+          </p:cNvCxnSpPr>
+          <p:nvPr/>
+        </p:nvCxnSpPr>
+        <p:spPr>
+          <a:xfrm>
+            <a:off x="9375674" y="2476129"/>
+            <a:ext cx="0" cy="507071"/>
+          </a:xfrm>
+          <a:prstGeom prst="straightConnector1">
+            <a:avLst/>
+          </a:prstGeom>
+          <a:ln>
+            <a:tailEnd type="triangle"/>
+          </a:ln>
+        </p:spPr>
+        <p:style>
+          <a:lnRef idx="1">
+            <a:schemeClr val="accent1"/>
+          </a:lnRef>
+          <a:fillRef idx="0">
+            <a:schemeClr val="accent1"/>
+          </a:fillRef>
+          <a:effectRef idx="0">
+            <a:schemeClr val="accent1"/>
+          </a:effectRef>
+          <a:fontRef idx="minor">
+            <a:schemeClr val="tx1"/>
+          </a:fontRef>
+        </p:style>
+      </p:cxnSp>
+      <p:cxnSp>
+        <p:nvCxnSpPr>
+          <p:cNvPr id="31" name="מחבר חץ ישר 30">
+            <a:extLst>
+              <a:ext uri="{FF2B5EF4-FFF2-40B4-BE49-F238E27FC236}">
+                <a16:creationId xmlns:a16="http://schemas.microsoft.com/office/drawing/2014/main" id="{C834CA95-6E38-0A93-C404-20828FA35EB7}"/>
+              </a:ext>
+            </a:extLst>
+          </p:cNvPr>
+          <p:cNvCxnSpPr>
+            <a:cxnSpLocks/>
+          </p:cNvCxnSpPr>
+          <p:nvPr/>
+        </p:nvCxnSpPr>
+        <p:spPr>
+          <a:xfrm>
+            <a:off x="9921442" y="2553629"/>
+            <a:ext cx="1011722" cy="429571"/>
+          </a:xfrm>
+          <a:prstGeom prst="straightConnector1">
+            <a:avLst/>
+          </a:prstGeom>
+          <a:ln>
+            <a:tailEnd type="triangle"/>
+          </a:ln>
+        </p:spPr>
+        <p:style>
+          <a:lnRef idx="1">
+            <a:schemeClr val="accent1"/>
+          </a:lnRef>
+          <a:fillRef idx="0">
+            <a:schemeClr val="accent1"/>
+          </a:fillRef>
+          <a:effectRef idx="0">
+            <a:schemeClr val="accent1"/>
+          </a:effectRef>
+          <a:fontRef idx="minor">
+            <a:schemeClr val="tx1"/>
+          </a:fontRef>
+        </p:style>
+      </p:cxnSp>
+      <p:cxnSp>
+        <p:nvCxnSpPr>
+          <p:cNvPr id="34" name="מחבר חץ ישר 33">
+            <a:extLst>
+              <a:ext uri="{FF2B5EF4-FFF2-40B4-BE49-F238E27FC236}">
+                <a16:creationId xmlns:a16="http://schemas.microsoft.com/office/drawing/2014/main" id="{491FA032-A864-91B5-C7EB-92E77AC22BC1}"/>
+              </a:ext>
+            </a:extLst>
+          </p:cNvPr>
+          <p:cNvCxnSpPr>
+            <a:cxnSpLocks/>
+          </p:cNvCxnSpPr>
+          <p:nvPr/>
+        </p:nvCxnSpPr>
+        <p:spPr>
+          <a:xfrm>
+            <a:off x="9397822" y="3541220"/>
+            <a:ext cx="0" cy="402298"/>
+          </a:xfrm>
+          <a:prstGeom prst="straightConnector1">
+            <a:avLst/>
+          </a:prstGeom>
+          <a:ln>
+            <a:tailEnd type="triangle"/>
+          </a:ln>
+        </p:spPr>
+        <p:style>
+          <a:lnRef idx="1">
+            <a:schemeClr val="accent1"/>
+          </a:lnRef>
+          <a:fillRef idx="0">
+            <a:schemeClr val="accent1"/>
+          </a:fillRef>
+          <a:effectRef idx="0">
+            <a:schemeClr val="accent1"/>
+          </a:effectRef>
+          <a:fontRef idx="minor">
+            <a:schemeClr val="tx1"/>
+          </a:fontRef>
+        </p:style>
+      </p:cxnSp>
+      <p:sp>
+        <p:nvSpPr>
+          <p:cNvPr id="41" name="מלבן: פינות מעוגלות 40">
+            <a:extLst>
+              <a:ext uri="{FF2B5EF4-FFF2-40B4-BE49-F238E27FC236}">
+                <a16:creationId xmlns:a16="http://schemas.microsoft.com/office/drawing/2014/main" id="{D8B548A2-1EFC-ADC4-47A5-A54D173EEC4C}"/>
+              </a:ext>
+            </a:extLst>
+          </p:cNvPr>
+          <p:cNvSpPr/>
+          <p:nvPr/>
+        </p:nvSpPr>
+        <p:spPr>
+          <a:xfrm>
+            <a:off x="3829074" y="2109144"/>
+            <a:ext cx="1343610" cy="407164"/>
+          </a:xfrm>
+          <a:prstGeom prst="roundRect">
+            <a:avLst/>
+          </a:prstGeom>
+        </p:spPr>
+        <p:style>
+          <a:lnRef idx="2">
+            <a:schemeClr val="accent1"/>
+          </a:lnRef>
+          <a:fillRef idx="1">
+            <a:schemeClr val="lt1"/>
+          </a:fillRef>
+          <a:effectRef idx="0">
+            <a:schemeClr val="accent1"/>
+          </a:effectRef>
+          <a:fontRef idx="minor">
+            <a:schemeClr val="dk1"/>
+          </a:fontRef>
+        </p:style>
+        <p:txBody>
+          <a:bodyPr rtlCol="1" anchor="ctr"/>
+          <a:lstStyle/>
+          <a:p>
+            <a:pPr marL="0" marR="0" lvl="0" indent="0" algn="ctr" defTabSz="914400" rtl="1" eaLnBrk="1" fontAlgn="auto" latinLnBrk="0" hangingPunct="1">
+              <a:lnSpc>
+                <a:spcPct val="100000"/>
+              </a:lnSpc>
+              <a:spcBef>
+                <a:spcPts val="0"/>
+              </a:spcBef>
+              <a:spcAft>
+                <a:spcPts val="0"/>
+              </a:spcAft>
+              <a:buClrTx/>
+              <a:buSzTx/>
+              <a:buFontTx/>
+              <a:buNone/>
+              <a:tabLst/>
+              <a:defRPr/>
+            </a:pPr>
+            <a:r>
+              <a:rPr kumimoji="0" lang="en-US" sz="1800" b="0" i="0" u="none" strike="noStrike" kern="1200" cap="none" spc="0" normalizeH="0" baseline="0" noProof="0" dirty="0">
+                <a:ln>
+                  <a:noFill/>
+                </a:ln>
+                <a:solidFill>
+                  <a:prstClr val="black"/>
+                </a:solidFill>
+                <a:effectLst/>
+                <a:uLnTx/>
+                <a:uFillTx/>
+                <a:latin typeface="Calibri" panose="020F0502020204030204"/>
+                <a:ea typeface="+mn-ea"/>
+                <a:cs typeface="+mn-cs"/>
+              </a:rPr>
+              <a:t>Recipe</a:t>
+            </a:r>
+          </a:p>
+        </p:txBody>
+      </p:sp>
+      <p:sp>
+        <p:nvSpPr>
+          <p:cNvPr id="43" name="מלבן: פינות מעוגלות 42">
+            <a:extLst>
+              <a:ext uri="{FF2B5EF4-FFF2-40B4-BE49-F238E27FC236}">
+                <a16:creationId xmlns:a16="http://schemas.microsoft.com/office/drawing/2014/main" id="{527DF8D8-5024-1A7E-5598-EF5480AAF6FF}"/>
+              </a:ext>
+            </a:extLst>
+          </p:cNvPr>
+          <p:cNvSpPr/>
+          <p:nvPr/>
+        </p:nvSpPr>
+        <p:spPr>
+          <a:xfrm>
+            <a:off x="849491" y="2109144"/>
+            <a:ext cx="1343610" cy="407164"/>
+          </a:xfrm>
+          <a:prstGeom prst="roundRect">
+            <a:avLst/>
+          </a:prstGeom>
+        </p:spPr>
+        <p:style>
+          <a:lnRef idx="2">
+            <a:schemeClr val="accent1"/>
+          </a:lnRef>
+          <a:fillRef idx="1">
+            <a:schemeClr val="lt1"/>
+          </a:fillRef>
+          <a:effectRef idx="0">
+            <a:schemeClr val="accent1"/>
+          </a:effectRef>
+          <a:fontRef idx="minor">
+            <a:schemeClr val="dk1"/>
+          </a:fontRef>
+        </p:style>
+        <p:txBody>
+          <a:bodyPr rtlCol="1" anchor="ctr"/>
+          <a:lstStyle/>
+          <a:p>
+            <a:pPr marL="0" marR="0" lvl="0" indent="0" algn="ctr" defTabSz="914400" rtl="1" eaLnBrk="1" fontAlgn="auto" latinLnBrk="0" hangingPunct="1">
+              <a:lnSpc>
+                <a:spcPct val="100000"/>
+              </a:lnSpc>
+              <a:spcBef>
+                <a:spcPts val="0"/>
+              </a:spcBef>
+              <a:spcAft>
+                <a:spcPts val="0"/>
+              </a:spcAft>
+              <a:buClrTx/>
+              <a:buSzTx/>
+              <a:buFontTx/>
+              <a:buNone/>
+              <a:tabLst/>
+              <a:defRPr/>
+            </a:pPr>
+            <a:r>
+              <a:rPr kumimoji="0" lang="en-US" sz="1800" b="0" i="0" u="none" strike="noStrike" kern="1200" cap="none" spc="0" normalizeH="0" baseline="0" noProof="0" dirty="0">
+                <a:ln>
+                  <a:noFill/>
+                </a:ln>
+                <a:solidFill>
+                  <a:prstClr val="black"/>
+                </a:solidFill>
+                <a:effectLst/>
+                <a:uLnTx/>
+                <a:uFillTx/>
+                <a:latin typeface="Calibri" panose="020F0502020204030204"/>
+                <a:ea typeface="+mn-ea"/>
+                <a:cs typeface="+mn-cs"/>
+              </a:rPr>
+              <a:t>About</a:t>
+            </a:r>
+          </a:p>
+        </p:txBody>
+      </p:sp>
+      <p:sp>
+        <p:nvSpPr>
+          <p:cNvPr id="45" name="מלבן: פינות מעוגלות 44">
+            <a:extLst>
+              <a:ext uri="{FF2B5EF4-FFF2-40B4-BE49-F238E27FC236}">
+                <a16:creationId xmlns:a16="http://schemas.microsoft.com/office/drawing/2014/main" id="{B5AF109D-2866-72DB-CEFA-724766CD2B17}"/>
+              </a:ext>
+            </a:extLst>
+          </p:cNvPr>
+          <p:cNvSpPr/>
+          <p:nvPr/>
+        </p:nvSpPr>
+        <p:spPr>
+          <a:xfrm>
+            <a:off x="2357947" y="2109144"/>
+            <a:ext cx="1343610" cy="407164"/>
+          </a:xfrm>
+          <a:prstGeom prst="roundRect">
+            <a:avLst/>
+          </a:prstGeom>
+        </p:spPr>
+        <p:style>
+          <a:lnRef idx="2">
+            <a:schemeClr val="accent1"/>
+          </a:lnRef>
+          <a:fillRef idx="1">
+            <a:schemeClr val="lt1"/>
+          </a:fillRef>
+          <a:effectRef idx="0">
+            <a:schemeClr val="accent1"/>
+          </a:effectRef>
+          <a:fontRef idx="minor">
+            <a:schemeClr val="dk1"/>
+          </a:fontRef>
+        </p:style>
+        <p:txBody>
+          <a:bodyPr rtlCol="1" anchor="ctr"/>
+          <a:lstStyle/>
+          <a:p>
+            <a:pPr marL="0" marR="0" lvl="0" indent="0" algn="ctr" defTabSz="914400" rtl="1" eaLnBrk="1" fontAlgn="auto" latinLnBrk="0" hangingPunct="1">
+              <a:lnSpc>
+                <a:spcPct val="100000"/>
+              </a:lnSpc>
+              <a:spcBef>
+                <a:spcPts val="0"/>
+              </a:spcBef>
+              <a:spcAft>
+                <a:spcPts val="0"/>
+              </a:spcAft>
+              <a:buClrTx/>
+              <a:buSzTx/>
+              <a:buFontTx/>
+              <a:buNone/>
+              <a:tabLst/>
+              <a:defRPr/>
+            </a:pPr>
+            <a:r>
+              <a:rPr kumimoji="0" lang="en-US" sz="1800" b="0" i="0" u="none" strike="noStrike" kern="1200" cap="none" spc="0" normalizeH="0" baseline="0" noProof="0" dirty="0">
+                <a:ln>
+                  <a:noFill/>
+                </a:ln>
+                <a:solidFill>
+                  <a:prstClr val="black"/>
+                </a:solidFill>
+                <a:effectLst/>
+                <a:uLnTx/>
+                <a:uFillTx/>
+                <a:latin typeface="Calibri" panose="020F0502020204030204"/>
+                <a:ea typeface="+mn-ea"/>
+                <a:cs typeface="+mn-cs"/>
+              </a:rPr>
+              <a:t>Home</a:t>
+            </a:r>
+          </a:p>
+        </p:txBody>
+      </p:sp>
+      <p:sp>
+        <p:nvSpPr>
+          <p:cNvPr id="47" name="מלבן: פינות מעוגלות 46">
+            <a:extLst>
+              <a:ext uri="{FF2B5EF4-FFF2-40B4-BE49-F238E27FC236}">
+                <a16:creationId xmlns:a16="http://schemas.microsoft.com/office/drawing/2014/main" id="{DFCDB507-FE4D-ECF9-EF7B-D7025B16E6A8}"/>
+              </a:ext>
+            </a:extLst>
+          </p:cNvPr>
+          <p:cNvSpPr/>
+          <p:nvPr/>
+        </p:nvSpPr>
+        <p:spPr>
+          <a:xfrm>
+            <a:off x="2253204" y="3120382"/>
+            <a:ext cx="1343610" cy="407164"/>
+          </a:xfrm>
+          <a:prstGeom prst="roundRect">
+            <a:avLst/>
+          </a:prstGeom>
+        </p:spPr>
+        <p:style>
+          <a:lnRef idx="2">
+            <a:schemeClr val="accent1"/>
+          </a:lnRef>
+          <a:fillRef idx="1">
+            <a:schemeClr val="lt1"/>
+          </a:fillRef>
+          <a:effectRef idx="0">
+            <a:schemeClr val="accent1"/>
+          </a:effectRef>
+          <a:fontRef idx="minor">
+            <a:schemeClr val="dk1"/>
+          </a:fontRef>
+        </p:style>
+        <p:txBody>
+          <a:bodyPr rtlCol="1" anchor="ctr"/>
+          <a:lstStyle/>
+          <a:p>
+            <a:pPr marL="0" marR="0" lvl="0" indent="0" algn="ctr" defTabSz="914400" rtl="1" eaLnBrk="1" fontAlgn="auto" latinLnBrk="0" hangingPunct="1">
+              <a:lnSpc>
+                <a:spcPct val="100000"/>
+              </a:lnSpc>
+              <a:spcBef>
+                <a:spcPts val="0"/>
+              </a:spcBef>
+              <a:spcAft>
+                <a:spcPts val="0"/>
+              </a:spcAft>
+              <a:buClrTx/>
+              <a:buSzTx/>
+              <a:buFontTx/>
+              <a:buNone/>
+              <a:tabLst/>
+              <a:defRPr/>
+            </a:pPr>
+            <a:r>
+              <a:rPr kumimoji="0" lang="en-US" sz="1800" b="0" i="0" u="none" strike="noStrike" kern="1200" cap="none" spc="0" normalizeH="0" baseline="0" noProof="0" dirty="0" err="1">
+                <a:ln>
+                  <a:noFill/>
+                </a:ln>
+                <a:solidFill>
+                  <a:prstClr val="black"/>
+                </a:solidFill>
+                <a:effectLst/>
+                <a:uLnTx/>
+                <a:uFillTx/>
+                <a:latin typeface="Calibri" panose="020F0502020204030204"/>
+                <a:ea typeface="+mn-ea"/>
+                <a:cs typeface="+mn-cs"/>
+              </a:rPr>
+              <a:t>RecipeList</a:t>
+            </a:r>
+            <a:endParaRPr kumimoji="0" lang="en-US" sz="1800" b="0" i="0" u="none" strike="noStrike" kern="1200" cap="none" spc="0" normalizeH="0" baseline="0" noProof="0" dirty="0">
+              <a:ln>
+                <a:noFill/>
+              </a:ln>
+              <a:solidFill>
+                <a:prstClr val="black"/>
+              </a:solidFill>
+              <a:effectLst/>
+              <a:uLnTx/>
+              <a:uFillTx/>
+              <a:latin typeface="Calibri" panose="020F0502020204030204"/>
+              <a:ea typeface="+mn-ea"/>
+              <a:cs typeface="+mn-cs"/>
+            </a:endParaRPr>
+          </a:p>
+        </p:txBody>
+      </p:sp>
+      <p:sp>
+        <p:nvSpPr>
+          <p:cNvPr id="51" name="מלבן: פינות מעוגלות 50">
+            <a:extLst>
+              <a:ext uri="{FF2B5EF4-FFF2-40B4-BE49-F238E27FC236}">
+                <a16:creationId xmlns:a16="http://schemas.microsoft.com/office/drawing/2014/main" id="{4633E421-E2A0-E0D8-B765-81832896DC91}"/>
+              </a:ext>
+            </a:extLst>
+          </p:cNvPr>
+          <p:cNvSpPr/>
+          <p:nvPr/>
+        </p:nvSpPr>
+        <p:spPr>
+          <a:xfrm>
+            <a:off x="3759347" y="3104464"/>
+            <a:ext cx="1426370" cy="407164"/>
+          </a:xfrm>
+          <a:prstGeom prst="roundRect">
+            <a:avLst/>
+          </a:prstGeom>
+        </p:spPr>
+        <p:style>
+          <a:lnRef idx="2">
+            <a:schemeClr val="accent1"/>
+          </a:lnRef>
+          <a:fillRef idx="1">
+            <a:schemeClr val="lt1"/>
+          </a:fillRef>
+          <a:effectRef idx="0">
+            <a:schemeClr val="accent1"/>
+          </a:effectRef>
+          <a:fontRef idx="minor">
+            <a:schemeClr val="dk1"/>
+          </a:fontRef>
+        </p:style>
+        <p:txBody>
+          <a:bodyPr rtlCol="1" anchor="ctr"/>
+          <a:lstStyle/>
+          <a:p>
+            <a:pPr marL="0" marR="0" lvl="0" indent="0" algn="ctr" defTabSz="914400" rtl="1" eaLnBrk="1" fontAlgn="auto" latinLnBrk="0" hangingPunct="1">
+              <a:lnSpc>
+                <a:spcPct val="100000"/>
+              </a:lnSpc>
+              <a:spcBef>
+                <a:spcPts val="0"/>
+              </a:spcBef>
+              <a:spcAft>
+                <a:spcPts val="0"/>
+              </a:spcAft>
+              <a:buClrTx/>
+              <a:buSzTx/>
+              <a:buFontTx/>
+              <a:buNone/>
+              <a:tabLst/>
+              <a:defRPr/>
+            </a:pPr>
+            <a:r>
+              <a:rPr kumimoji="0" lang="en-US" sz="1800" b="0" i="0" u="none" strike="noStrike" kern="1200" cap="none" spc="0" normalizeH="0" baseline="0" noProof="0" dirty="0" err="1">
+                <a:ln>
+                  <a:noFill/>
+                </a:ln>
+                <a:solidFill>
+                  <a:prstClr val="black"/>
+                </a:solidFill>
+                <a:effectLst/>
+                <a:uLnTx/>
+                <a:uFillTx/>
+                <a:latin typeface="Calibri" panose="020F0502020204030204"/>
+                <a:ea typeface="+mn-ea"/>
+                <a:cs typeface="+mn-cs"/>
+              </a:rPr>
+              <a:t>RecipeShow</a:t>
+            </a:r>
+            <a:endParaRPr kumimoji="0" lang="en-US" sz="1800" b="0" i="0" u="none" strike="noStrike" kern="1200" cap="none" spc="0" normalizeH="0" baseline="0" noProof="0" dirty="0">
+              <a:ln>
+                <a:noFill/>
+              </a:ln>
+              <a:solidFill>
+                <a:prstClr val="black"/>
+              </a:solidFill>
+              <a:effectLst/>
+              <a:uLnTx/>
+              <a:uFillTx/>
+              <a:latin typeface="Calibri" panose="020F0502020204030204"/>
+              <a:ea typeface="+mn-ea"/>
+              <a:cs typeface="+mn-cs"/>
+            </a:endParaRPr>
+          </a:p>
+        </p:txBody>
+      </p:sp>
+      <p:sp>
+        <p:nvSpPr>
+          <p:cNvPr id="52" name="מלבן: פינות מעוגלות 51">
+            <a:extLst>
+              <a:ext uri="{FF2B5EF4-FFF2-40B4-BE49-F238E27FC236}">
+                <a16:creationId xmlns:a16="http://schemas.microsoft.com/office/drawing/2014/main" id="{75AEF791-BBDB-49B8-E976-347845D9604B}"/>
+              </a:ext>
+            </a:extLst>
+          </p:cNvPr>
+          <p:cNvSpPr/>
+          <p:nvPr/>
+        </p:nvSpPr>
+        <p:spPr>
+          <a:xfrm>
+            <a:off x="3704022" y="3993661"/>
+            <a:ext cx="1527118" cy="407164"/>
+          </a:xfrm>
+          <a:prstGeom prst="roundRect">
+            <a:avLst/>
+          </a:prstGeom>
+        </p:spPr>
+        <p:style>
+          <a:lnRef idx="2">
+            <a:schemeClr val="accent1"/>
+          </a:lnRef>
+          <a:fillRef idx="1">
+            <a:schemeClr val="lt1"/>
+          </a:fillRef>
+          <a:effectRef idx="0">
+            <a:schemeClr val="accent1"/>
+          </a:effectRef>
+          <a:fontRef idx="minor">
+            <a:schemeClr val="dk1"/>
+          </a:fontRef>
+        </p:style>
+        <p:txBody>
+          <a:bodyPr rtlCol="1" anchor="ctr"/>
+          <a:lstStyle/>
+          <a:p>
+            <a:pPr marL="0" marR="0" lvl="0" indent="0" algn="ctr" defTabSz="914400" rtl="1" eaLnBrk="1" fontAlgn="auto" latinLnBrk="0" hangingPunct="1">
+              <a:lnSpc>
+                <a:spcPct val="100000"/>
+              </a:lnSpc>
+              <a:spcBef>
+                <a:spcPts val="0"/>
+              </a:spcBef>
+              <a:spcAft>
+                <a:spcPts val="0"/>
+              </a:spcAft>
+              <a:buClrTx/>
+              <a:buSzTx/>
+              <a:buFontTx/>
+              <a:buNone/>
+              <a:tabLst/>
+              <a:defRPr/>
+            </a:pPr>
+            <a:r>
+              <a:rPr kumimoji="0" lang="en-US" sz="1800" b="0" i="0" u="none" strike="noStrike" kern="1200" cap="none" spc="0" normalizeH="0" baseline="0" noProof="0" dirty="0" err="1">
+                <a:ln>
+                  <a:noFill/>
+                </a:ln>
+                <a:solidFill>
+                  <a:prstClr val="black"/>
+                </a:solidFill>
+                <a:effectLst/>
+                <a:uLnTx/>
+                <a:uFillTx/>
+                <a:latin typeface="Calibri" panose="020F0502020204030204"/>
+                <a:ea typeface="+mn-ea"/>
+                <a:cs typeface="+mn-cs"/>
+              </a:rPr>
+              <a:t>UpdateRecipe</a:t>
+            </a:r>
+            <a:endParaRPr kumimoji="0" lang="en-US" sz="1800" b="0" i="0" u="none" strike="noStrike" kern="1200" cap="none" spc="0" normalizeH="0" baseline="0" noProof="0" dirty="0">
+              <a:ln>
+                <a:noFill/>
+              </a:ln>
+              <a:solidFill>
+                <a:prstClr val="black"/>
+              </a:solidFill>
+              <a:effectLst/>
+              <a:uLnTx/>
+              <a:uFillTx/>
+              <a:latin typeface="Calibri" panose="020F0502020204030204"/>
+              <a:ea typeface="+mn-ea"/>
+              <a:cs typeface="+mn-cs"/>
+            </a:endParaRPr>
+          </a:p>
+        </p:txBody>
+      </p:sp>
+      <p:sp>
+        <p:nvSpPr>
+          <p:cNvPr id="53" name="מלבן: פינות מעוגלות 52">
+            <a:extLst>
+              <a:ext uri="{FF2B5EF4-FFF2-40B4-BE49-F238E27FC236}">
+                <a16:creationId xmlns:a16="http://schemas.microsoft.com/office/drawing/2014/main" id="{3535096B-E9F0-DE69-AF01-2FA8A39039D0}"/>
+              </a:ext>
+            </a:extLst>
+          </p:cNvPr>
+          <p:cNvSpPr/>
+          <p:nvPr/>
+        </p:nvSpPr>
+        <p:spPr>
+          <a:xfrm>
+            <a:off x="4591069" y="4961406"/>
+            <a:ext cx="1343610" cy="407164"/>
+          </a:xfrm>
+          <a:prstGeom prst="roundRect">
+            <a:avLst/>
+          </a:prstGeom>
+        </p:spPr>
+        <p:style>
+          <a:lnRef idx="2">
+            <a:schemeClr val="accent1"/>
+          </a:lnRef>
+          <a:fillRef idx="1">
+            <a:schemeClr val="lt1"/>
+          </a:fillRef>
+          <a:effectRef idx="0">
+            <a:schemeClr val="accent1"/>
+          </a:effectRef>
+          <a:fontRef idx="minor">
+            <a:schemeClr val="dk1"/>
+          </a:fontRef>
+        </p:style>
+        <p:txBody>
+          <a:bodyPr rtlCol="1" anchor="ctr"/>
+          <a:lstStyle/>
+          <a:p>
+            <a:pPr marL="0" marR="0" lvl="0" indent="0" algn="ctr" defTabSz="914400" rtl="1" eaLnBrk="1" fontAlgn="auto" latinLnBrk="0" hangingPunct="1">
+              <a:lnSpc>
+                <a:spcPct val="100000"/>
+              </a:lnSpc>
+              <a:spcBef>
+                <a:spcPts val="0"/>
+              </a:spcBef>
+              <a:spcAft>
+                <a:spcPts val="0"/>
+              </a:spcAft>
+              <a:buClrTx/>
+              <a:buSzTx/>
+              <a:buFontTx/>
+              <a:buNone/>
+              <a:tabLst/>
+              <a:defRPr/>
+            </a:pPr>
+            <a:r>
+              <a:rPr kumimoji="0" lang="en-US" sz="1800" b="0" i="0" u="none" strike="noStrike" kern="1200" cap="none" spc="0" normalizeH="0" baseline="0" noProof="0" dirty="0" err="1">
+                <a:ln>
+                  <a:noFill/>
+                </a:ln>
+                <a:solidFill>
+                  <a:prstClr val="black"/>
+                </a:solidFill>
+                <a:effectLst/>
+                <a:uLnTx/>
+                <a:uFillTx/>
+                <a:latin typeface="Calibri" panose="020F0502020204030204"/>
+                <a:ea typeface="+mn-ea"/>
+                <a:cs typeface="+mn-cs"/>
+              </a:rPr>
+              <a:t>RecipeForm</a:t>
+            </a:r>
+            <a:endParaRPr kumimoji="0" lang="en-US" sz="1800" b="0" i="0" u="none" strike="noStrike" kern="1200" cap="none" spc="0" normalizeH="0" baseline="0" noProof="0" dirty="0">
+              <a:ln>
+                <a:noFill/>
+              </a:ln>
+              <a:solidFill>
+                <a:prstClr val="black"/>
+              </a:solidFill>
+              <a:effectLst/>
+              <a:uLnTx/>
+              <a:uFillTx/>
+              <a:latin typeface="Calibri" panose="020F0502020204030204"/>
+              <a:ea typeface="+mn-ea"/>
+              <a:cs typeface="+mn-cs"/>
+            </a:endParaRPr>
+          </a:p>
+        </p:txBody>
+      </p:sp>
+      <p:cxnSp>
+        <p:nvCxnSpPr>
+          <p:cNvPr id="54" name="מחבר חץ ישר 53">
+            <a:extLst>
+              <a:ext uri="{FF2B5EF4-FFF2-40B4-BE49-F238E27FC236}">
+                <a16:creationId xmlns:a16="http://schemas.microsoft.com/office/drawing/2014/main" id="{0E090265-0F4C-D8F5-5CAA-C916B1447DD2}"/>
+              </a:ext>
+            </a:extLst>
+          </p:cNvPr>
+          <p:cNvCxnSpPr>
+            <a:cxnSpLocks/>
+          </p:cNvCxnSpPr>
+          <p:nvPr/>
+        </p:nvCxnSpPr>
+        <p:spPr>
+          <a:xfrm flipH="1">
+            <a:off x="2917761" y="2553629"/>
+            <a:ext cx="858440" cy="529009"/>
+          </a:xfrm>
+          <a:prstGeom prst="straightConnector1">
+            <a:avLst/>
+          </a:prstGeom>
+          <a:ln>
+            <a:tailEnd type="triangle"/>
+          </a:ln>
+        </p:spPr>
+        <p:style>
+          <a:lnRef idx="1">
+            <a:schemeClr val="accent1"/>
+          </a:lnRef>
+          <a:fillRef idx="0">
+            <a:schemeClr val="accent1"/>
+          </a:fillRef>
+          <a:effectRef idx="0">
+            <a:schemeClr val="accent1"/>
+          </a:effectRef>
+          <a:fontRef idx="minor">
+            <a:schemeClr val="tx1"/>
+          </a:fontRef>
+        </p:style>
+      </p:cxnSp>
+      <p:cxnSp>
+        <p:nvCxnSpPr>
+          <p:cNvPr id="55" name="מחבר חץ ישר 54">
+            <a:extLst>
+              <a:ext uri="{FF2B5EF4-FFF2-40B4-BE49-F238E27FC236}">
+                <a16:creationId xmlns:a16="http://schemas.microsoft.com/office/drawing/2014/main" id="{456EDF08-F710-DDAF-4C0A-6E11425A3BCA}"/>
+              </a:ext>
+            </a:extLst>
+          </p:cNvPr>
+          <p:cNvCxnSpPr>
+            <a:cxnSpLocks/>
+          </p:cNvCxnSpPr>
+          <p:nvPr/>
+        </p:nvCxnSpPr>
+        <p:spPr>
+          <a:xfrm>
+            <a:off x="4499626" y="2553629"/>
+            <a:ext cx="0" cy="529009"/>
+          </a:xfrm>
+          <a:prstGeom prst="straightConnector1">
+            <a:avLst/>
+          </a:prstGeom>
+          <a:ln>
+            <a:tailEnd type="triangle"/>
+          </a:ln>
+        </p:spPr>
+        <p:style>
+          <a:lnRef idx="1">
+            <a:schemeClr val="accent1"/>
+          </a:lnRef>
+          <a:fillRef idx="0">
+            <a:schemeClr val="accent1"/>
+          </a:fillRef>
+          <a:effectRef idx="0">
+            <a:schemeClr val="accent1"/>
+          </a:effectRef>
+          <a:fontRef idx="minor">
+            <a:schemeClr val="tx1"/>
+          </a:fontRef>
+        </p:style>
+      </p:cxnSp>
+      <p:cxnSp>
+        <p:nvCxnSpPr>
+          <p:cNvPr id="56" name="מחבר חץ ישר 55">
+            <a:extLst>
+              <a:ext uri="{FF2B5EF4-FFF2-40B4-BE49-F238E27FC236}">
+                <a16:creationId xmlns:a16="http://schemas.microsoft.com/office/drawing/2014/main" id="{BE6F0CB0-F1F7-4811-E65C-D7F9255FA0FE}"/>
+              </a:ext>
+            </a:extLst>
+          </p:cNvPr>
+          <p:cNvCxnSpPr>
+            <a:cxnSpLocks/>
+          </p:cNvCxnSpPr>
+          <p:nvPr/>
+        </p:nvCxnSpPr>
+        <p:spPr>
+          <a:xfrm>
+            <a:off x="4498061" y="3527546"/>
+            <a:ext cx="0" cy="421387"/>
+          </a:xfrm>
+          <a:prstGeom prst="straightConnector1">
+            <a:avLst/>
+          </a:prstGeom>
+          <a:ln>
+            <a:tailEnd type="triangle"/>
+          </a:ln>
+        </p:spPr>
+        <p:style>
+          <a:lnRef idx="1">
+            <a:schemeClr val="accent1"/>
+          </a:lnRef>
+          <a:fillRef idx="0">
+            <a:schemeClr val="accent1"/>
+          </a:fillRef>
+          <a:effectRef idx="0">
+            <a:schemeClr val="accent1"/>
+          </a:effectRef>
+          <a:fontRef idx="minor">
+            <a:schemeClr val="tx1"/>
+          </a:fontRef>
+        </p:style>
+      </p:cxnSp>
+      <p:cxnSp>
+        <p:nvCxnSpPr>
+          <p:cNvPr id="57" name="מחבר חץ ישר 56">
+            <a:extLst>
+              <a:ext uri="{FF2B5EF4-FFF2-40B4-BE49-F238E27FC236}">
+                <a16:creationId xmlns:a16="http://schemas.microsoft.com/office/drawing/2014/main" id="{2A814CC1-A3A2-2A22-8E45-E25AD814811F}"/>
+              </a:ext>
+            </a:extLst>
+          </p:cNvPr>
+          <p:cNvCxnSpPr>
+            <a:cxnSpLocks/>
+          </p:cNvCxnSpPr>
+          <p:nvPr/>
+        </p:nvCxnSpPr>
+        <p:spPr>
+          <a:xfrm>
+            <a:off x="4587962" y="4455278"/>
+            <a:ext cx="584722" cy="427724"/>
+          </a:xfrm>
+          <a:prstGeom prst="straightConnector1">
+            <a:avLst/>
+          </a:prstGeom>
+          <a:ln>
+            <a:tailEnd type="triangle"/>
+          </a:ln>
+        </p:spPr>
+        <p:style>
+          <a:lnRef idx="1">
+            <a:schemeClr val="accent1"/>
+          </a:lnRef>
+          <a:fillRef idx="0">
+            <a:schemeClr val="accent1"/>
+          </a:fillRef>
+          <a:effectRef idx="0">
+            <a:schemeClr val="accent1"/>
+          </a:effectRef>
+          <a:fontRef idx="minor">
+            <a:schemeClr val="tx1"/>
+          </a:fontRef>
+        </p:style>
+      </p:cxnSp>
+      <p:cxnSp>
+        <p:nvCxnSpPr>
+          <p:cNvPr id="58" name="מחבר חץ ישר 57">
+            <a:extLst>
+              <a:ext uri="{FF2B5EF4-FFF2-40B4-BE49-F238E27FC236}">
+                <a16:creationId xmlns:a16="http://schemas.microsoft.com/office/drawing/2014/main" id="{3EA4C640-6228-BF5F-AB81-7741B1DB16DE}"/>
+              </a:ext>
+            </a:extLst>
+          </p:cNvPr>
+          <p:cNvCxnSpPr>
+            <a:cxnSpLocks/>
+          </p:cNvCxnSpPr>
+          <p:nvPr/>
+        </p:nvCxnSpPr>
+        <p:spPr>
+          <a:xfrm flipH="1">
+            <a:off x="5280766" y="2533998"/>
+            <a:ext cx="674844" cy="2349004"/>
+          </a:xfrm>
+          <a:prstGeom prst="straightConnector1">
+            <a:avLst/>
+          </a:prstGeom>
+          <a:ln>
+            <a:tailEnd type="triangle"/>
+          </a:ln>
+        </p:spPr>
+        <p:style>
+          <a:lnRef idx="1">
+            <a:schemeClr val="accent1"/>
+          </a:lnRef>
+          <a:fillRef idx="0">
+            <a:schemeClr val="accent1"/>
+          </a:fillRef>
+          <a:effectRef idx="0">
+            <a:schemeClr val="accent1"/>
+          </a:effectRef>
+          <a:fontRef idx="minor">
+            <a:schemeClr val="tx1"/>
+          </a:fontRef>
+        </p:style>
+      </p:cxnSp>
+      <p:sp>
+        <p:nvSpPr>
+          <p:cNvPr id="59" name="מלבן: פינות מעוגלות 58">
+            <a:extLst>
+              <a:ext uri="{FF2B5EF4-FFF2-40B4-BE49-F238E27FC236}">
+                <a16:creationId xmlns:a16="http://schemas.microsoft.com/office/drawing/2014/main" id="{2180B8FE-FA3C-F9FC-5281-3728CE23436B}"/>
+              </a:ext>
+            </a:extLst>
+          </p:cNvPr>
+          <p:cNvSpPr/>
+          <p:nvPr/>
+        </p:nvSpPr>
+        <p:spPr>
+          <a:xfrm>
+            <a:off x="4587962" y="5956726"/>
+            <a:ext cx="1343610" cy="407164"/>
+          </a:xfrm>
+          <a:prstGeom prst="roundRect">
+            <a:avLst/>
+          </a:prstGeom>
+        </p:spPr>
+        <p:style>
+          <a:lnRef idx="2">
+            <a:schemeClr val="accent1"/>
+          </a:lnRef>
+          <a:fillRef idx="1">
+            <a:schemeClr val="lt1"/>
+          </a:fillRef>
+          <a:effectRef idx="0">
+            <a:schemeClr val="accent1"/>
+          </a:effectRef>
+          <a:fontRef idx="minor">
+            <a:schemeClr val="dk1"/>
+          </a:fontRef>
+        </p:style>
+        <p:txBody>
+          <a:bodyPr rtlCol="1" anchor="ctr"/>
+          <a:lstStyle/>
+          <a:p>
+            <a:pPr marL="0" marR="0" lvl="0" indent="0" algn="ctr" defTabSz="914400" rtl="1" eaLnBrk="1" fontAlgn="auto" latinLnBrk="0" hangingPunct="1">
+              <a:lnSpc>
+                <a:spcPct val="100000"/>
+              </a:lnSpc>
+              <a:spcBef>
+                <a:spcPts val="0"/>
+              </a:spcBef>
+              <a:spcAft>
+                <a:spcPts val="0"/>
+              </a:spcAft>
+              <a:buClrTx/>
+              <a:buSzTx/>
+              <a:buFontTx/>
+              <a:buNone/>
+              <a:tabLst/>
+              <a:defRPr/>
+            </a:pPr>
+            <a:r>
+              <a:rPr kumimoji="0" lang="en-US" sz="1800" b="0" i="0" u="none" strike="noStrike" kern="1200" cap="none" spc="0" normalizeH="0" baseline="0" noProof="0" dirty="0">
+                <a:ln>
+                  <a:noFill/>
+                </a:ln>
+                <a:solidFill>
+                  <a:prstClr val="black"/>
+                </a:solidFill>
+                <a:effectLst/>
+                <a:uLnTx/>
+                <a:uFillTx/>
+                <a:latin typeface="Calibri" panose="020F0502020204030204"/>
+                <a:ea typeface="+mn-ea"/>
+                <a:cs typeface="+mn-cs"/>
+              </a:rPr>
+              <a:t>Input</a:t>
+            </a:r>
+          </a:p>
+        </p:txBody>
+      </p:sp>
+      <p:cxnSp>
+        <p:nvCxnSpPr>
+          <p:cNvPr id="60" name="מחבר חץ ישר 59">
+            <a:extLst>
+              <a:ext uri="{FF2B5EF4-FFF2-40B4-BE49-F238E27FC236}">
+                <a16:creationId xmlns:a16="http://schemas.microsoft.com/office/drawing/2014/main" id="{219709E4-6587-00D3-E5AA-00EE7FC018AB}"/>
+              </a:ext>
+            </a:extLst>
+          </p:cNvPr>
+          <p:cNvCxnSpPr>
+            <a:cxnSpLocks/>
+          </p:cNvCxnSpPr>
+          <p:nvPr/>
+        </p:nvCxnSpPr>
+        <p:spPr>
+          <a:xfrm>
+            <a:off x="5280766" y="5368570"/>
+            <a:ext cx="4279" cy="529009"/>
+          </a:xfrm>
+          <a:prstGeom prst="straightConnector1">
+            <a:avLst/>
+          </a:prstGeom>
+          <a:ln>
+            <a:tailEnd type="triangle"/>
+          </a:ln>
+        </p:spPr>
+        <p:style>
+          <a:lnRef idx="1">
+            <a:schemeClr val="accent1"/>
+          </a:lnRef>
+          <a:fillRef idx="0">
+            <a:schemeClr val="accent1"/>
+          </a:fillRef>
+          <a:effectRef idx="0">
+            <a:schemeClr val="accent1"/>
+          </a:effectRef>
+          <a:fontRef idx="minor">
+            <a:schemeClr val="tx1"/>
+          </a:fontRef>
+        </p:style>
+      </p:cxnSp>
+      <p:sp>
+        <p:nvSpPr>
+          <p:cNvPr id="61" name="מלבן: פינות מעוגלות 60">
+            <a:extLst>
+              <a:ext uri="{FF2B5EF4-FFF2-40B4-BE49-F238E27FC236}">
+                <a16:creationId xmlns:a16="http://schemas.microsoft.com/office/drawing/2014/main" id="{FCB8E7E0-5D66-F8EB-739C-1062B44E2E39}"/>
+              </a:ext>
+            </a:extLst>
+          </p:cNvPr>
+          <p:cNvSpPr/>
+          <p:nvPr/>
+        </p:nvSpPr>
+        <p:spPr>
+          <a:xfrm>
+            <a:off x="5312952" y="2109144"/>
+            <a:ext cx="1343610" cy="407164"/>
+          </a:xfrm>
+          <a:prstGeom prst="roundRect">
+            <a:avLst/>
+          </a:prstGeom>
+        </p:spPr>
+        <p:style>
+          <a:lnRef idx="2">
+            <a:schemeClr val="accent1"/>
+          </a:lnRef>
+          <a:fillRef idx="1">
+            <a:schemeClr val="lt1"/>
+          </a:fillRef>
+          <a:effectRef idx="0">
+            <a:schemeClr val="accent1"/>
+          </a:effectRef>
+          <a:fontRef idx="minor">
+            <a:schemeClr val="dk1"/>
+          </a:fontRef>
+        </p:style>
+        <p:txBody>
+          <a:bodyPr rtlCol="1" anchor="ctr"/>
+          <a:lstStyle/>
+          <a:p>
+            <a:pPr marL="0" marR="0" lvl="0" indent="0" algn="ctr" defTabSz="914400" rtl="1" eaLnBrk="1" fontAlgn="auto" latinLnBrk="0" hangingPunct="1">
+              <a:lnSpc>
+                <a:spcPct val="100000"/>
+              </a:lnSpc>
+              <a:spcBef>
+                <a:spcPts val="0"/>
+              </a:spcBef>
+              <a:spcAft>
+                <a:spcPts val="0"/>
+              </a:spcAft>
+              <a:buClrTx/>
+              <a:buSzTx/>
+              <a:buFontTx/>
+              <a:buNone/>
+              <a:tabLst/>
+              <a:defRPr/>
+            </a:pPr>
+            <a:r>
+              <a:rPr kumimoji="0" lang="en-US" sz="1800" b="0" i="0" u="none" strike="noStrike" kern="1200" cap="none" spc="0" normalizeH="0" baseline="0" noProof="0" dirty="0" err="1">
+                <a:ln>
+                  <a:noFill/>
+                </a:ln>
+                <a:solidFill>
+                  <a:prstClr val="black"/>
+                </a:solidFill>
+                <a:effectLst/>
+                <a:uLnTx/>
+                <a:uFillTx/>
+                <a:latin typeface="Calibri" panose="020F0502020204030204"/>
+                <a:ea typeface="+mn-ea"/>
+                <a:cs typeface="+mn-cs"/>
+              </a:rPr>
+              <a:t>AddRecipe</a:t>
+            </a:r>
+            <a:endParaRPr kumimoji="0" lang="en-US" sz="1800" b="0" i="0" u="none" strike="noStrike" kern="1200" cap="none" spc="0" normalizeH="0" baseline="0" noProof="0" dirty="0">
+              <a:ln>
+                <a:noFill/>
+              </a:ln>
+              <a:solidFill>
+                <a:prstClr val="black"/>
+              </a:solidFill>
+              <a:effectLst/>
+              <a:uLnTx/>
+              <a:uFillTx/>
+              <a:latin typeface="Calibri" panose="020F0502020204030204"/>
+              <a:ea typeface="+mn-ea"/>
+              <a:cs typeface="+mn-cs"/>
+            </a:endParaRPr>
+          </a:p>
+        </p:txBody>
+      </p:sp>
+      <p:cxnSp>
+        <p:nvCxnSpPr>
+          <p:cNvPr id="62" name="מחבר חץ ישר 61">
+            <a:extLst>
+              <a:ext uri="{FF2B5EF4-FFF2-40B4-BE49-F238E27FC236}">
+                <a16:creationId xmlns:a16="http://schemas.microsoft.com/office/drawing/2014/main" id="{6DC6D796-4A4E-310D-B505-F249FFD7F927}"/>
+              </a:ext>
+            </a:extLst>
+          </p:cNvPr>
+          <p:cNvCxnSpPr>
+            <a:cxnSpLocks/>
+          </p:cNvCxnSpPr>
+          <p:nvPr/>
+        </p:nvCxnSpPr>
+        <p:spPr>
+          <a:xfrm flipH="1">
+            <a:off x="5984757" y="975381"/>
+            <a:ext cx="1194675" cy="1093075"/>
+          </a:xfrm>
+          <a:prstGeom prst="straightConnector1">
+            <a:avLst/>
+          </a:prstGeom>
+          <a:ln>
+            <a:tailEnd type="triangle"/>
+          </a:ln>
+        </p:spPr>
+        <p:style>
+          <a:lnRef idx="1">
+            <a:schemeClr val="accent1"/>
+          </a:lnRef>
+          <a:fillRef idx="0">
+            <a:schemeClr val="accent1"/>
+          </a:fillRef>
+          <a:effectRef idx="0">
+            <a:schemeClr val="accent1"/>
+          </a:effectRef>
+          <a:fontRef idx="minor">
+            <a:schemeClr val="tx1"/>
+          </a:fontRef>
+        </p:style>
+      </p:cxnSp>
+      <p:cxnSp>
+        <p:nvCxnSpPr>
+          <p:cNvPr id="64" name="מחבר חץ ישר 63">
+            <a:extLst>
+              <a:ext uri="{FF2B5EF4-FFF2-40B4-BE49-F238E27FC236}">
+                <a16:creationId xmlns:a16="http://schemas.microsoft.com/office/drawing/2014/main" id="{7D38DFE2-233A-011F-D559-BAE7A9772EDA}"/>
+              </a:ext>
+            </a:extLst>
+          </p:cNvPr>
+          <p:cNvCxnSpPr>
+            <a:cxnSpLocks/>
+          </p:cNvCxnSpPr>
+          <p:nvPr/>
+        </p:nvCxnSpPr>
+        <p:spPr>
+          <a:xfrm>
+            <a:off x="8202868" y="966740"/>
+            <a:ext cx="1040879" cy="1070060"/>
+          </a:xfrm>
+          <a:prstGeom prst="straightConnector1">
+            <a:avLst/>
+          </a:prstGeom>
+          <a:ln>
+            <a:tailEnd type="triangle"/>
+          </a:ln>
+        </p:spPr>
+        <p:style>
+          <a:lnRef idx="1">
+            <a:schemeClr val="accent1"/>
+          </a:lnRef>
+          <a:fillRef idx="0">
+            <a:schemeClr val="accent1"/>
+          </a:fillRef>
+          <a:effectRef idx="0">
+            <a:schemeClr val="accent1"/>
+          </a:effectRef>
+          <a:fontRef idx="minor">
+            <a:schemeClr val="tx1"/>
+          </a:fontRef>
+        </p:style>
+      </p:cxnSp>
+      <p:cxnSp>
+        <p:nvCxnSpPr>
+          <p:cNvPr id="70" name="מחבר חץ ישר 69">
+            <a:extLst>
+              <a:ext uri="{FF2B5EF4-FFF2-40B4-BE49-F238E27FC236}">
+                <a16:creationId xmlns:a16="http://schemas.microsoft.com/office/drawing/2014/main" id="{83D24E73-077D-3D5C-C786-07947AE9F6E8}"/>
+              </a:ext>
+            </a:extLst>
+          </p:cNvPr>
+          <p:cNvCxnSpPr>
+            <a:cxnSpLocks/>
+          </p:cNvCxnSpPr>
+          <p:nvPr/>
+        </p:nvCxnSpPr>
+        <p:spPr>
+          <a:xfrm flipH="1">
+            <a:off x="4498061" y="896977"/>
+            <a:ext cx="2476311" cy="1112359"/>
+          </a:xfrm>
+          <a:prstGeom prst="straightConnector1">
+            <a:avLst/>
+          </a:prstGeom>
+          <a:ln>
+            <a:tailEnd type="triangle"/>
+          </a:ln>
+        </p:spPr>
+        <p:style>
+          <a:lnRef idx="1">
+            <a:schemeClr val="accent1"/>
+          </a:lnRef>
+          <a:fillRef idx="0">
+            <a:schemeClr val="accent1"/>
+          </a:fillRef>
+          <a:effectRef idx="0">
+            <a:schemeClr val="accent1"/>
+          </a:effectRef>
+          <a:fontRef idx="minor">
+            <a:schemeClr val="tx1"/>
+          </a:fontRef>
+        </p:style>
+      </p:cxnSp>
+      <p:cxnSp>
+        <p:nvCxnSpPr>
+          <p:cNvPr id="71" name="מחבר חץ ישר 70">
+            <a:extLst>
+              <a:ext uri="{FF2B5EF4-FFF2-40B4-BE49-F238E27FC236}">
+                <a16:creationId xmlns:a16="http://schemas.microsoft.com/office/drawing/2014/main" id="{BE3237EB-ADBA-A3BF-1DB2-7ADBA3FD9D20}"/>
+              </a:ext>
+            </a:extLst>
+          </p:cNvPr>
+          <p:cNvCxnSpPr>
+            <a:cxnSpLocks/>
+          </p:cNvCxnSpPr>
+          <p:nvPr/>
+        </p:nvCxnSpPr>
+        <p:spPr>
+          <a:xfrm flipH="1">
+            <a:off x="3092328" y="746703"/>
+            <a:ext cx="3819091" cy="1258286"/>
+          </a:xfrm>
+          <a:prstGeom prst="straightConnector1">
+            <a:avLst/>
+          </a:prstGeom>
+          <a:ln>
+            <a:tailEnd type="triangle"/>
+          </a:ln>
+        </p:spPr>
+        <p:style>
+          <a:lnRef idx="1">
+            <a:schemeClr val="accent1"/>
+          </a:lnRef>
+          <a:fillRef idx="0">
+            <a:schemeClr val="accent1"/>
+          </a:fillRef>
+          <a:effectRef idx="0">
+            <a:schemeClr val="accent1"/>
+          </a:effectRef>
+          <a:fontRef idx="minor">
+            <a:schemeClr val="tx1"/>
+          </a:fontRef>
+        </p:style>
+      </p:cxnSp>
+      <p:cxnSp>
+        <p:nvCxnSpPr>
+          <p:cNvPr id="72" name="מחבר חץ ישר 71">
+            <a:extLst>
+              <a:ext uri="{FF2B5EF4-FFF2-40B4-BE49-F238E27FC236}">
+                <a16:creationId xmlns:a16="http://schemas.microsoft.com/office/drawing/2014/main" id="{3F66EBBD-BE36-BE92-E7FF-A76D3ADAB1EB}"/>
+              </a:ext>
+            </a:extLst>
+          </p:cNvPr>
+          <p:cNvCxnSpPr>
+            <a:cxnSpLocks/>
+          </p:cNvCxnSpPr>
+          <p:nvPr/>
+        </p:nvCxnSpPr>
+        <p:spPr>
+          <a:xfrm flipH="1">
+            <a:off x="1521296" y="553243"/>
+            <a:ext cx="5453076" cy="1451746"/>
+          </a:xfrm>
+          <a:prstGeom prst="straightConnector1">
+            <a:avLst/>
+          </a:prstGeom>
+          <a:ln>
+            <a:tailEnd type="triangle"/>
+          </a:ln>
+        </p:spPr>
+        <p:style>
+          <a:lnRef idx="1">
+            <a:schemeClr val="accent1"/>
+          </a:lnRef>
+          <a:fillRef idx="0">
+            <a:schemeClr val="accent1"/>
+          </a:fillRef>
+          <a:effectRef idx="0">
+            <a:schemeClr val="accent1"/>
+          </a:effectRef>
+          <a:fontRef idx="minor">
+            <a:schemeClr val="tx1"/>
+          </a:fontRef>
+        </p:style>
+      </p:cxnSp>
     </p:spTree>
     <p:extLst>
       <p:ext uri="{BB962C8B-B14F-4D97-AF65-F5344CB8AC3E}">
-        <p14:creationId xmlns:p14="http://schemas.microsoft.com/office/powerpoint/2010/main" val="2467139418"/>
+        <p14:creationId xmlns:p14="http://schemas.microsoft.com/office/powerpoint/2010/main" val="1566792086"/>
       </p:ext>
     </p:extLst>
   </p:cSld>
@@ -3511,14 +5327,14 @@
           <p:nvPr>
             <p:extLst>
               <p:ext uri="{D42A27DB-BD31-4B8C-83A1-F6EECF244321}">
-                <p14:modId xmlns:p14="http://schemas.microsoft.com/office/powerpoint/2010/main" val="2488774587"/>
+                <p14:modId xmlns:p14="http://schemas.microsoft.com/office/powerpoint/2010/main" val="1245560543"/>
               </p:ext>
             </p:extLst>
           </p:nvPr>
         </p:nvGraphicFramePr>
         <p:xfrm>
-          <a:off x="396240" y="396240"/>
-          <a:ext cx="11460480" cy="6289767"/>
+          <a:off x="429491" y="146956"/>
+          <a:ext cx="11460480" cy="6601098"/>
         </p:xfrm>
         <a:graphic>
           <a:graphicData uri="http://schemas.openxmlformats.org/drawingml/2006/table">
@@ -3708,7 +5524,7 @@
                       </a:pPr>
                       <a:r>
                         <a:rPr lang="he-IL" sz="1800" dirty="0"/>
-                        <a:t>מבנה דף ראשי עם </a:t>
+                        <a:t>דף ראשי עם </a:t>
                       </a:r>
                       <a:r>
                         <a:rPr lang="en-US" sz="1800" dirty="0"/>
@@ -3716,7 +5532,7 @@
                       </a:r>
                       <a:r>
                         <a:rPr lang="he-IL" sz="1800" dirty="0"/>
-                        <a:t> ותוכן דינמי ה-</a:t>
+                        <a:t> ותוכן דינמי </a:t>
                       </a:r>
                       <a:r>
                         <a:rPr lang="en-US" sz="1800" dirty="0"/>
@@ -4021,7 +5837,7 @@
                       </a:pPr>
                       <a:r>
                         <a:rPr lang="he-IL" sz="1800" dirty="0"/>
-                        <a:t>להתחבר למשתמש</a:t>
+                        <a:t>התחברות</a:t>
                       </a:r>
                     </a:p>
                     <a:p>
@@ -4059,9 +5875,6 @@
                             <a:schemeClr val="dk1"/>
                           </a:solidFill>
                           <a:effectLst/>
-                          <a:latin typeface="+mn-lt"/>
-                          <a:ea typeface="+mn-ea"/>
-                          <a:cs typeface="+mn-cs"/>
                         </a:rPr>
                         <a:t>setIsLogin</a:t>
                       </a:r>
@@ -4071,9 +5884,6 @@
                             <a:schemeClr val="dk1"/>
                           </a:solidFill>
                           <a:effectLst/>
-                          <a:latin typeface="+mn-lt"/>
-                          <a:ea typeface="+mn-ea"/>
-                          <a:cs typeface="+mn-cs"/>
                         </a:rPr>
                         <a:t>: Function</a:t>
                       </a:r>
@@ -4093,7 +5903,14 @@
                       <a:pPr rtl="1"/>
                       <a:r>
                         <a:rPr lang="en-US" dirty="0"/>
-                        <a:t>Context</a:t>
+                        <a:t>Context-</a:t>
+                      </a:r>
+                    </a:p>
+                    <a:p>
+                      <a:pPr rtl="1"/>
+                      <a:r>
+                        <a:rPr lang="en-US" dirty="0" err="1"/>
+                        <a:t>userContext</a:t>
                       </a:r>
                       <a:endParaRPr lang="he-IL" dirty="0"/>
                     </a:p>
@@ -4160,7 +5977,22 @@
                       <a:pPr rtl="1"/>
                       <a:r>
                         <a:rPr lang="he-IL" sz="1800" dirty="0"/>
-                        <a:t>מציג את שם המשתמש לאחר התחברות</a:t>
+                        <a:t>מציג את פרופיל (</a:t>
+                      </a:r>
+                      <a:r>
+                        <a:rPr lang="en-US" sz="1800" dirty="0"/>
+                        <a:t>Avatar</a:t>
+                      </a:r>
+                      <a:r>
+                        <a:rPr lang="he-IL" sz="1800" dirty="0"/>
+                        <a:t>)המשתמש</a:t>
+                      </a:r>
+                    </a:p>
+                    <a:p>
+                      <a:pPr rtl="1"/>
+                      <a:r>
+                        <a:rPr lang="he-IL" sz="1800" dirty="0"/>
+                        <a:t>לאחר התחברות עם אפשרות לעדכון</a:t>
                       </a:r>
                       <a:endParaRPr lang="he-IL" dirty="0"/>
                     </a:p>
@@ -4209,7 +6041,14 @@
                       <a:pPr rtl="1"/>
                       <a:r>
                         <a:rPr lang="en-US" dirty="0"/>
-                        <a:t>Context</a:t>
+                        <a:t>Context-</a:t>
+                      </a:r>
+                    </a:p>
+                    <a:p>
+                      <a:pPr rtl="1"/>
+                      <a:r>
+                        <a:rPr lang="en-US" dirty="0" err="1"/>
+                        <a:t>userContext</a:t>
                       </a:r>
                       <a:endParaRPr lang="he-IL" dirty="0"/>
                     </a:p>
@@ -4396,7 +6235,7 @@
                       <a:pPr rtl="1"/>
                       <a:r>
                         <a:rPr lang="he-IL" sz="1800" dirty="0"/>
-                        <a:t>לעדכן מידע למשתמש המחובר</a:t>
+                        <a:t>עדכון פרטי משתמש מחובר</a:t>
                       </a:r>
                       <a:endParaRPr lang="he-IL" dirty="0"/>
                     </a:p>
@@ -4425,8 +6264,19 @@
                       <a:pPr rtl="1"/>
                       <a:r>
                         <a:rPr lang="en-US" dirty="0"/>
-                        <a:t>Context</a:t>
-                      </a:r>
+                        <a:t>Context-</a:t>
+                      </a:r>
+                    </a:p>
+                    <a:p>
+                      <a:pPr rtl="1"/>
+                      <a:r>
+                        <a:rPr lang="en-US" dirty="0" err="1"/>
+                        <a:t>userContext</a:t>
+                      </a:r>
+                      <a:endParaRPr lang="he-IL" dirty="0"/>
+                    </a:p>
+                    <a:p>
+                      <a:pPr rtl="1"/>
                       <a:endParaRPr lang="he-IL" dirty="0"/>
                     </a:p>
                   </a:txBody>
@@ -4517,14 +6367,14 @@
           <p:nvPr>
             <p:extLst>
               <p:ext uri="{D42A27DB-BD31-4B8C-83A1-F6EECF244321}">
-                <p14:modId xmlns:p14="http://schemas.microsoft.com/office/powerpoint/2010/main" val="2046294168"/>
+                <p14:modId xmlns:p14="http://schemas.microsoft.com/office/powerpoint/2010/main" val="1934076560"/>
               </p:ext>
             </p:extLst>
           </p:nvPr>
         </p:nvGraphicFramePr>
         <p:xfrm>
-          <a:off x="396240" y="396240"/>
-          <a:ext cx="11460480" cy="6453054"/>
+          <a:off x="482138" y="124691"/>
+          <a:ext cx="11460480" cy="6611985"/>
         </p:xfrm>
         <a:graphic>
           <a:graphicData uri="http://schemas.openxmlformats.org/drawingml/2006/table">
@@ -4547,14 +6397,14 @@
                     </a:ext>
                   </a:extLst>
                 </a:gridCol>
-                <a:gridCol w="1910080">
+                <a:gridCol w="2092960">
                   <a:extLst>
                     <a:ext uri="{9D8B030D-6E8A-4147-A177-3AD203B41FA5}">
                       <a16:colId xmlns:a16="http://schemas.microsoft.com/office/drawing/2014/main" val="1172157102"/>
                     </a:ext>
                   </a:extLst>
                 </a:gridCol>
-                <a:gridCol w="1910080">
+                <a:gridCol w="1727200">
                   <a:extLst>
                     <a:ext uri="{9D8B030D-6E8A-4147-A177-3AD203B41FA5}">
                       <a16:colId xmlns:a16="http://schemas.microsoft.com/office/drawing/2014/main" val="859838571"/>
@@ -4576,7 +6426,7 @@
                   </a:extLst>
                 </a:gridCol>
               </a:tblGrid>
-              <a:tr h="877389">
+              <a:tr h="450669">
                 <a:tc>
                   <a:txBody>
                     <a:bodyPr/>
@@ -4714,9 +6564,160 @@
                       </a:pPr>
                       <a:r>
                         <a:rPr lang="he-IL" dirty="0"/>
-                        <a:t>מציג שדות ב טופס עריכה</a:t>
+                        <a:t>שדה ב טופס עריכה</a:t>
                       </a:r>
                       <a:endParaRPr lang="en-US" sz="1800" dirty="0"/>
+                    </a:p>
+                  </a:txBody>
+                  <a:tcPr/>
+                </a:tc>
+                <a:tc>
+                  <a:txBody>
+                    <a:bodyPr/>
+                    <a:lstStyle/>
+                    <a:p>
+                      <a:r>
+                        <a:rPr lang="en-US" sz="1800" b="0" kern="1200" dirty="0">
+                          <a:solidFill>
+                            <a:schemeClr val="dk1"/>
+                          </a:solidFill>
+                          <a:effectLst/>
+                        </a:rPr>
+                        <a:t> name: string</a:t>
+                      </a:r>
+                    </a:p>
+                    <a:p>
+                      <a:r>
+                        <a:rPr lang="en-US" sz="1800" b="0" kern="1200" dirty="0">
+                          <a:solidFill>
+                            <a:schemeClr val="dk1"/>
+                          </a:solidFill>
+                          <a:effectLst/>
+                        </a:rPr>
+                        <a:t>  control Control&lt;any&gt;</a:t>
+                      </a:r>
+                    </a:p>
+                    <a:p>
+                      <a:r>
+                        <a:rPr lang="en-US" sz="1800" b="0" kern="1200" dirty="0">
+                          <a:solidFill>
+                            <a:schemeClr val="dk1"/>
+                          </a:solidFill>
+                          <a:effectLst/>
+                        </a:rPr>
+                        <a:t>  label: string</a:t>
+                      </a:r>
+                    </a:p>
+                    <a:p>
+                      <a:r>
+                        <a:rPr lang="en-US" sz="1800" b="0" kern="1200" dirty="0">
+                          <a:solidFill>
+                            <a:schemeClr val="dk1"/>
+                          </a:solidFill>
+                          <a:effectLst/>
+                        </a:rPr>
+                        <a:t>  multiline? </a:t>
+                      </a:r>
+                      <a:r>
+                        <a:rPr lang="en-US" sz="1800" b="0" kern="1200" dirty="0" err="1">
+                          <a:solidFill>
+                            <a:schemeClr val="dk1"/>
+                          </a:solidFill>
+                          <a:effectLst/>
+                        </a:rPr>
+                        <a:t>boolean</a:t>
+                      </a:r>
+                      <a:endParaRPr lang="en-US" sz="1800" b="0" kern="1200" dirty="0">
+                        <a:solidFill>
+                          <a:schemeClr val="dk1"/>
+                        </a:solidFill>
+                        <a:effectLst/>
+                      </a:endParaRPr>
+                    </a:p>
+                    <a:p>
+                      <a:r>
+                        <a:rPr lang="en-US" sz="1800" b="0" kern="1200" dirty="0">
+                          <a:solidFill>
+                            <a:schemeClr val="dk1"/>
+                          </a:solidFill>
+                          <a:effectLst/>
+                        </a:rPr>
+                        <a:t>  rows: number</a:t>
+                      </a:r>
+                      <a:endParaRPr lang="en-US" sz="1800" b="0" kern="1200" dirty="0">
+                        <a:solidFill>
+                          <a:schemeClr val="dk1"/>
+                        </a:solidFill>
+                        <a:effectLst/>
+                        <a:latin typeface="+mn-lt"/>
+                        <a:ea typeface="+mn-ea"/>
+                        <a:cs typeface="+mn-cs"/>
+                      </a:endParaRPr>
+                    </a:p>
+                  </a:txBody>
+                  <a:tcPr/>
+                </a:tc>
+                <a:tc>
+                  <a:txBody>
+                    <a:bodyPr/>
+                    <a:lstStyle/>
+                    <a:p>
+                      <a:pPr rtl="1"/>
+                      <a:r>
+                        <a:rPr lang="he-IL" dirty="0"/>
+                        <a:t>אין</a:t>
+                      </a:r>
+                    </a:p>
+                  </a:txBody>
+                  <a:tcPr/>
+                </a:tc>
+                <a:tc>
+                  <a:txBody>
+                    <a:bodyPr/>
+                    <a:lstStyle/>
+                    <a:p>
+                      <a:pPr rtl="1"/>
+                      <a:r>
+                        <a:rPr lang="en-US" dirty="0"/>
+                        <a:t>Update</a:t>
+                      </a:r>
+                      <a:endParaRPr lang="he-IL" dirty="0"/>
+                    </a:p>
+                  </a:txBody>
+                  <a:tcPr/>
+                </a:tc>
+                <a:tc>
+                  <a:txBody>
+                    <a:bodyPr/>
+                    <a:lstStyle/>
+                    <a:p>
+                      <a:pPr rtl="1"/>
+                      <a:r>
+                        <a:rPr lang="he-IL" dirty="0"/>
+                        <a:t>אין</a:t>
+                      </a:r>
+                    </a:p>
+                  </a:txBody>
+                  <a:tcPr/>
+                </a:tc>
+                <a:extLst>
+                  <a:ext uri="{0D108BD9-81ED-4DB2-BD59-A6C34878D82A}">
+                    <a16:rowId xmlns:a16="http://schemas.microsoft.com/office/drawing/2014/main" val="321831216"/>
+                  </a:ext>
+                </a:extLst>
+              </a:tr>
+              <a:tr h="877389">
+                <a:tc>
+                  <a:txBody>
+                    <a:bodyPr/>
+                    <a:lstStyle/>
+                    <a:p>
+                      <a:pPr rtl="1"/>
+                      <a:r>
+                        <a:rPr lang="en-US" sz="2000" dirty="0"/>
+                        <a:t>About</a:t>
+                      </a:r>
+                      <a:endParaRPr lang="he-IL" sz="2000" dirty="0"/>
                     </a:p>
                   </a:txBody>
                   <a:tcPr/>
@@ -4744,30 +6745,460 @@
                         <a:defRPr/>
                       </a:pPr>
                       <a:r>
-                        <a:rPr lang="en-US" sz="1800" b="0" kern="1200" dirty="0" err="1">
-                          <a:solidFill>
-                            <a:schemeClr val="dk1"/>
-                          </a:solidFill>
-                          <a:effectLst/>
-                          <a:latin typeface="+mn-lt"/>
-                          <a:ea typeface="+mn-ea"/>
-                          <a:cs typeface="+mn-cs"/>
-                        </a:rPr>
-                        <a:t>type:string,id</a:t>
-                      </a:r>
-                      <a:r>
-                        <a:rPr lang="en-US" sz="1800" b="0" kern="1200" dirty="0">
-                          <a:solidFill>
-                            <a:schemeClr val="dk1"/>
-                          </a:solidFill>
-                          <a:effectLst/>
-                          <a:latin typeface="+mn-lt"/>
-                          <a:ea typeface="+mn-ea"/>
-                          <a:cs typeface="+mn-cs"/>
-                        </a:rPr>
-                        <a:t>:</a:t>
-                      </a:r>
-                    </a:p>
+                        <a:rPr lang="he-IL" sz="1800" dirty="0"/>
+                        <a:t>מידע על האתר</a:t>
+                      </a:r>
+                      <a:endParaRPr lang="en-US" sz="1800" dirty="0"/>
+                    </a:p>
+                  </a:txBody>
+                  <a:tcPr/>
+                </a:tc>
+                <a:tc>
+                  <a:txBody>
+                    <a:bodyPr/>
+                    <a:lstStyle/>
+                    <a:p>
+                      <a:pPr rtl="1"/>
+                      <a:r>
+                        <a:rPr lang="he-IL" dirty="0"/>
+                        <a:t>אין</a:t>
+                      </a:r>
+                    </a:p>
+                  </a:txBody>
+                  <a:tcPr/>
+                </a:tc>
+                <a:tc>
+                  <a:txBody>
+                    <a:bodyPr/>
+                    <a:lstStyle/>
+                    <a:p>
+                      <a:pPr rtl="1"/>
+                      <a:r>
+                        <a:rPr lang="he-IL" dirty="0"/>
+                        <a:t>אין</a:t>
+                      </a:r>
+                    </a:p>
+                  </a:txBody>
+                  <a:tcPr/>
+                </a:tc>
+                <a:tc>
+                  <a:txBody>
+                    <a:bodyPr/>
+                    <a:lstStyle/>
+                    <a:p>
+                      <a:pPr rtl="1"/>
+                      <a:r>
+                        <a:rPr lang="en-US" sz="1800" dirty="0" err="1"/>
+                        <a:t>AppLayout</a:t>
+                      </a:r>
+                      <a:endParaRPr lang="he-IL" dirty="0"/>
+                    </a:p>
+                  </a:txBody>
+                  <a:tcPr/>
+                </a:tc>
+                <a:tc>
+                  <a:txBody>
+                    <a:bodyPr/>
+                    <a:lstStyle/>
+                    <a:p>
+                      <a:pPr rtl="1"/>
+                      <a:r>
+                        <a:rPr lang="he-IL" dirty="0"/>
+                        <a:t>אין</a:t>
+                      </a:r>
+                    </a:p>
+                  </a:txBody>
+                  <a:tcPr/>
+                </a:tc>
+                <a:extLst>
+                  <a:ext uri="{0D108BD9-81ED-4DB2-BD59-A6C34878D82A}">
+                    <a16:rowId xmlns:a16="http://schemas.microsoft.com/office/drawing/2014/main" val="205823797"/>
+                  </a:ext>
+                </a:extLst>
+              </a:tr>
+              <a:tr h="877389">
+                <a:tc>
+                  <a:txBody>
+                    <a:bodyPr/>
+                    <a:lstStyle/>
+                    <a:p>
+                      <a:pPr rtl="1"/>
+                      <a:r>
+                        <a:rPr lang="en-US" sz="2000" dirty="0"/>
+                        <a:t>Home</a:t>
+                      </a:r>
+                      <a:endParaRPr lang="he-IL" sz="2000" dirty="0"/>
+                    </a:p>
+                  </a:txBody>
+                  <a:tcPr/>
+                </a:tc>
+                <a:tc>
+                  <a:txBody>
+                    <a:bodyPr/>
+                    <a:lstStyle/>
+                    <a:p>
+                      <a:pPr rtl="1"/>
+                      <a:r>
+                        <a:rPr lang="he-IL" dirty="0"/>
+                        <a:t>עמוד הבית</a:t>
+                      </a:r>
+                    </a:p>
+                  </a:txBody>
+                  <a:tcPr/>
+                </a:tc>
+                <a:tc>
+                  <a:txBody>
+                    <a:bodyPr/>
+                    <a:lstStyle/>
+                    <a:p>
+                      <a:pPr rtl="1"/>
+                      <a:r>
+                        <a:rPr lang="he-IL" dirty="0"/>
+                        <a:t>אין</a:t>
+                      </a:r>
+                    </a:p>
+                  </a:txBody>
+                  <a:tcPr/>
+                </a:tc>
+                <a:tc>
+                  <a:txBody>
+                    <a:bodyPr/>
+                    <a:lstStyle/>
+                    <a:p>
+                      <a:pPr rtl="1"/>
+                      <a:r>
+                        <a:rPr lang="he-IL" dirty="0"/>
+                        <a:t>אין</a:t>
+                      </a:r>
+                    </a:p>
+                  </a:txBody>
+                  <a:tcPr/>
+                </a:tc>
+                <a:tc>
+                  <a:txBody>
+                    <a:bodyPr/>
+                    <a:lstStyle/>
+                    <a:p>
+                      <a:pPr rtl="1"/>
+                      <a:r>
+                        <a:rPr lang="en-US" sz="1800" dirty="0" err="1"/>
+                        <a:t>AppLayout</a:t>
+                      </a:r>
+                      <a:endParaRPr lang="he-IL" dirty="0"/>
+                    </a:p>
+                  </a:txBody>
+                  <a:tcPr/>
+                </a:tc>
+                <a:tc>
+                  <a:txBody>
+                    <a:bodyPr/>
+                    <a:lstStyle/>
+                    <a:p>
+                      <a:pPr rtl="1"/>
+                      <a:r>
+                        <a:rPr lang="he-IL" dirty="0"/>
+                        <a:t>אין</a:t>
+                      </a:r>
+                    </a:p>
+                  </a:txBody>
+                  <a:tcPr/>
+                </a:tc>
+                <a:extLst>
+                  <a:ext uri="{0D108BD9-81ED-4DB2-BD59-A6C34878D82A}">
+                    <a16:rowId xmlns:a16="http://schemas.microsoft.com/office/drawing/2014/main" val="1228641036"/>
+                  </a:ext>
+                </a:extLst>
+              </a:tr>
+              <a:tr h="877389">
+                <a:tc>
+                  <a:txBody>
+                    <a:bodyPr/>
+                    <a:lstStyle/>
+                    <a:p>
+                      <a:pPr rtl="1"/>
+                      <a:r>
+                        <a:rPr lang="en-US" sz="2000" dirty="0"/>
+                        <a:t>Recipe</a:t>
+                      </a:r>
+                      <a:endParaRPr lang="he-IL" sz="2000" dirty="0"/>
+                    </a:p>
+                  </a:txBody>
+                  <a:tcPr/>
+                </a:tc>
+                <a:tc>
+                  <a:txBody>
+                    <a:bodyPr/>
+                    <a:lstStyle/>
+                    <a:p>
+                      <a:pPr rtl="1"/>
+                      <a:r>
+                        <a:rPr lang="he-IL" dirty="0"/>
+                        <a:t>עמוד מתכונים</a:t>
+                      </a:r>
+                    </a:p>
+                  </a:txBody>
+                  <a:tcPr/>
+                </a:tc>
+                <a:tc>
+                  <a:txBody>
+                    <a:bodyPr/>
+                    <a:lstStyle/>
+                    <a:p>
+                      <a:pPr rtl="1"/>
+                      <a:r>
+                        <a:rPr lang="he-IL" dirty="0"/>
+                        <a:t>אין</a:t>
+                      </a:r>
+                    </a:p>
+                  </a:txBody>
+                  <a:tcPr/>
+                </a:tc>
+                <a:tc>
+                  <a:txBody>
+                    <a:bodyPr/>
+                    <a:lstStyle/>
+                    <a:p>
+                      <a:pPr rtl="1"/>
+                      <a:r>
+                        <a:rPr lang="he-IL" dirty="0"/>
+                        <a:t>אין</a:t>
+                      </a:r>
+                    </a:p>
+                  </a:txBody>
+                  <a:tcPr/>
+                </a:tc>
+                <a:tc>
+                  <a:txBody>
+                    <a:bodyPr/>
+                    <a:lstStyle/>
+                    <a:p>
+                      <a:pPr rtl="1"/>
+                      <a:r>
+                        <a:rPr lang="en-US" sz="1800" dirty="0" err="1"/>
+                        <a:t>AppLayout</a:t>
+                      </a:r>
+                      <a:endParaRPr lang="he-IL" dirty="0"/>
+                    </a:p>
+                  </a:txBody>
+                  <a:tcPr/>
+                </a:tc>
+                <a:tc>
+                  <a:txBody>
+                    <a:bodyPr/>
+                    <a:lstStyle/>
+                    <a:p>
+                      <a:pPr rtl="1"/>
+                      <a:r>
+                        <a:rPr lang="en-US" sz="1800" dirty="0" err="1"/>
+                        <a:t>RecipesList</a:t>
+                      </a:r>
+                      <a:r>
+                        <a:rPr lang="en-US" sz="1800" dirty="0"/>
+                        <a:t>, </a:t>
+                      </a:r>
+                      <a:r>
+                        <a:rPr lang="en-US" sz="1800" dirty="0" err="1"/>
+                        <a:t>RecipeShow</a:t>
+                      </a:r>
+                      <a:endParaRPr lang="he-IL" dirty="0"/>
+                    </a:p>
+                  </a:txBody>
+                  <a:tcPr/>
+                </a:tc>
+                <a:extLst>
+                  <a:ext uri="{0D108BD9-81ED-4DB2-BD59-A6C34878D82A}">
+                    <a16:rowId xmlns:a16="http://schemas.microsoft.com/office/drawing/2014/main" val="2479523694"/>
+                  </a:ext>
+                </a:extLst>
+              </a:tr>
+              <a:tr h="877389">
+                <a:tc>
+                  <a:txBody>
+                    <a:bodyPr/>
+                    <a:lstStyle/>
+                    <a:p>
+                      <a:pPr rtl="1"/>
+                      <a:r>
+                        <a:rPr lang="en-US" sz="2000" dirty="0" err="1"/>
+                        <a:t>RecipesList</a:t>
+                      </a:r>
+                      <a:endParaRPr lang="he-IL" sz="2000" dirty="0"/>
+                    </a:p>
+                  </a:txBody>
+                  <a:tcPr/>
+                </a:tc>
+                <a:tc>
+                  <a:txBody>
+                    <a:bodyPr/>
+                    <a:lstStyle/>
+                    <a:p>
+                      <a:pPr rtl="1"/>
+                      <a:r>
+                        <a:rPr lang="he-IL" sz="1800" dirty="0"/>
+                        <a:t>מציג את רשימת המתכונים </a:t>
+                      </a:r>
+                      <a:endParaRPr lang="he-IL" dirty="0"/>
+                    </a:p>
+                  </a:txBody>
+                  <a:tcPr/>
+                </a:tc>
+                <a:tc>
+                  <a:txBody>
+                    <a:bodyPr/>
+                    <a:lstStyle/>
+                    <a:p>
+                      <a:pPr rtl="1"/>
+                      <a:r>
+                        <a:rPr lang="he-IL" dirty="0"/>
+                        <a:t>אין</a:t>
+                      </a:r>
+                    </a:p>
+                  </a:txBody>
+                  <a:tcPr/>
+                </a:tc>
+                <a:tc>
+                  <a:txBody>
+                    <a:bodyPr/>
+                    <a:lstStyle/>
+                    <a:p>
+                      <a:pPr rtl="1"/>
+                      <a:r>
+                        <a:rPr lang="en-US" dirty="0"/>
+                        <a:t>Reducer</a:t>
+                      </a:r>
+                      <a:endParaRPr lang="he-IL" dirty="0"/>
+                    </a:p>
+                  </a:txBody>
+                  <a:tcPr/>
+                </a:tc>
+                <a:tc>
+                  <a:txBody>
+                    <a:bodyPr/>
+                    <a:lstStyle/>
+                    <a:p>
+                      <a:pPr rtl="1"/>
+                      <a:r>
+                        <a:rPr lang="en-US" sz="1800" dirty="0"/>
+                        <a:t>Recipe</a:t>
+                      </a:r>
+                      <a:endParaRPr lang="he-IL" dirty="0"/>
+                    </a:p>
+                  </a:txBody>
+                  <a:tcPr/>
+                </a:tc>
+                <a:tc>
+                  <a:txBody>
+                    <a:bodyPr/>
+                    <a:lstStyle/>
+                    <a:p>
+                      <a:pPr rtl="1"/>
+                      <a:r>
+                        <a:rPr lang="he-IL" dirty="0"/>
+                        <a:t>אין</a:t>
+                      </a:r>
+                    </a:p>
+                  </a:txBody>
+                  <a:tcPr/>
+                </a:tc>
+                <a:extLst>
+                  <a:ext uri="{0D108BD9-81ED-4DB2-BD59-A6C34878D82A}">
+                    <a16:rowId xmlns:a16="http://schemas.microsoft.com/office/drawing/2014/main" val="599680128"/>
+                  </a:ext>
+                </a:extLst>
+              </a:tr>
+              <a:tr h="877389">
+                <a:tc>
+                  <a:txBody>
+                    <a:bodyPr/>
+                    <a:lstStyle/>
+                    <a:p>
+                      <a:pPr rtl="1"/>
+                      <a:r>
+                        <a:rPr lang="en-US" sz="2000" dirty="0" err="1"/>
+                        <a:t>RecipeView</a:t>
+                      </a:r>
+                      <a:endParaRPr lang="he-IL" sz="2000" dirty="0"/>
+                    </a:p>
+                  </a:txBody>
+                  <a:tcPr/>
+                </a:tc>
+                <a:tc>
+                  <a:txBody>
+                    <a:bodyPr/>
+                    <a:lstStyle/>
+                    <a:p>
+                      <a:pPr rtl="1"/>
+                      <a:r>
+                        <a:rPr lang="he-IL" sz="1800" dirty="0"/>
+                        <a:t>מציג מתכון נבחר</a:t>
+                      </a:r>
+                    </a:p>
+                    <a:p>
+                      <a:pPr rtl="1"/>
+                      <a:r>
+                        <a:rPr lang="he-IL" sz="1800" dirty="0"/>
+                        <a:t>(ואפשרות עריכה ליוצר)</a:t>
+                      </a:r>
+                      <a:endParaRPr lang="he-IL" dirty="0"/>
+                    </a:p>
+                  </a:txBody>
+                  <a:tcPr/>
+                </a:tc>
+                <a:tc>
+                  <a:txBody>
+                    <a:bodyPr/>
+                    <a:lstStyle/>
+                    <a:p>
+                      <a:pPr rtl="1"/>
+                      <a:r>
+                        <a:rPr lang="he-IL" dirty="0"/>
+                        <a:t>אין</a:t>
+                      </a:r>
+                    </a:p>
+                  </a:txBody>
+                  <a:tcPr/>
+                </a:tc>
+                <a:tc>
+                  <a:txBody>
+                    <a:bodyPr/>
+                    <a:lstStyle/>
+                    <a:p>
+                      <a:pPr rtl="1"/>
+                      <a:r>
+                        <a:rPr lang="en-US" dirty="0"/>
+                        <a:t>Reducer</a:t>
+                      </a:r>
+                      <a:endParaRPr lang="he-IL" dirty="0"/>
+                    </a:p>
+                    <a:p>
+                      <a:pPr rtl="1"/>
+                      <a:r>
+                        <a:rPr lang="en-US" dirty="0"/>
+                        <a:t>Context</a:t>
+                      </a:r>
+                    </a:p>
+                  </a:txBody>
+                  <a:tcPr/>
+                </a:tc>
+                <a:tc>
+                  <a:txBody>
+                    <a:bodyPr/>
+                    <a:lstStyle/>
+                    <a:p>
+                      <a:pPr rtl="1"/>
+                      <a:r>
+                        <a:rPr lang="en-US" sz="1800" dirty="0"/>
+                        <a:t>Recipe</a:t>
+                      </a:r>
+                      <a:endParaRPr lang="he-IL" dirty="0"/>
+                    </a:p>
+                  </a:txBody>
+                  <a:tcPr/>
+                </a:tc>
+                <a:tc>
+                  <a:txBody>
+                    <a:bodyPr/>
+                    <a:lstStyle/>
                     <a:p>
                       <a:pPr marL="0" marR="0" lvl="0" indent="0" algn="r" defTabSz="914400" rtl="1" eaLnBrk="1" fontAlgn="auto" latinLnBrk="0" hangingPunct="1">
                         <a:lnSpc>
@@ -4792,662 +7223,6 @@
                             <a:schemeClr val="dk1"/>
                           </a:solidFill>
                           <a:effectLst/>
-                          <a:latin typeface="+mn-lt"/>
-                          <a:ea typeface="+mn-ea"/>
-                          <a:cs typeface="+mn-cs"/>
-                        </a:rPr>
-                        <a:t>string,value:string</a:t>
-                      </a:r>
-                      <a:r>
-                        <a:rPr lang="en-US" sz="1800" b="0" kern="1200" dirty="0">
-                          <a:solidFill>
-                            <a:schemeClr val="dk1"/>
-                          </a:solidFill>
-                          <a:effectLst/>
-                          <a:latin typeface="+mn-lt"/>
-                          <a:ea typeface="+mn-ea"/>
-                          <a:cs typeface="+mn-cs"/>
-                        </a:rPr>
-                        <a:t>,</a:t>
-                      </a:r>
-                    </a:p>
-                    <a:p>
-                      <a:pPr marL="0" marR="0" lvl="0" indent="0" algn="r" defTabSz="914400" rtl="1" eaLnBrk="1" fontAlgn="auto" latinLnBrk="0" hangingPunct="1">
-                        <a:lnSpc>
-                          <a:spcPct val="100000"/>
-                        </a:lnSpc>
-                        <a:spcBef>
-                          <a:spcPts val="0"/>
-                        </a:spcBef>
-                        <a:spcAft>
-                          <a:spcPts val="0"/>
-                        </a:spcAft>
-                        <a:buClrTx/>
-                        <a:buSzTx/>
-                        <a:buFontTx/>
-                        <a:buNone/>
-                        <a:tabLst/>
-                        <a:defRPr/>
-                      </a:pPr>
-                      <a:r>
-                        <a:rPr lang="en-US" sz="1800" b="0" kern="1200" dirty="0" err="1">
-                          <a:solidFill>
-                            <a:schemeClr val="dk1"/>
-                          </a:solidFill>
-                          <a:effectLst/>
-                          <a:latin typeface="+mn-lt"/>
-                          <a:ea typeface="+mn-ea"/>
-                          <a:cs typeface="+mn-cs"/>
-                        </a:rPr>
-                        <a:t>handleChange</a:t>
-                      </a:r>
-                      <a:r>
-                        <a:rPr lang="en-US" sz="1800" b="0" kern="1200" dirty="0">
-                          <a:solidFill>
-                            <a:schemeClr val="dk1"/>
-                          </a:solidFill>
-                          <a:effectLst/>
-                          <a:latin typeface="+mn-lt"/>
-                          <a:ea typeface="+mn-ea"/>
-                          <a:cs typeface="+mn-cs"/>
-                        </a:rPr>
-                        <a:t>:</a:t>
-                      </a:r>
-                    </a:p>
-                    <a:p>
-                      <a:pPr marL="0" marR="0" lvl="0" indent="0" algn="r" defTabSz="914400" rtl="1" eaLnBrk="1" fontAlgn="auto" latinLnBrk="0" hangingPunct="1">
-                        <a:lnSpc>
-                          <a:spcPct val="100000"/>
-                        </a:lnSpc>
-                        <a:spcBef>
-                          <a:spcPts val="0"/>
-                        </a:spcBef>
-                        <a:spcAft>
-                          <a:spcPts val="0"/>
-                        </a:spcAft>
-                        <a:buClrTx/>
-                        <a:buSzTx/>
-                        <a:buFontTx/>
-                        <a:buNone/>
-                        <a:tabLst/>
-                        <a:defRPr/>
-                      </a:pPr>
-                      <a:r>
-                        <a:rPr lang="en-US" sz="1800" b="0" kern="1200" dirty="0">
-                          <a:solidFill>
-                            <a:schemeClr val="dk1"/>
-                          </a:solidFill>
-                          <a:effectLst/>
-                          <a:latin typeface="+mn-lt"/>
-                          <a:ea typeface="+mn-ea"/>
-                          <a:cs typeface="+mn-cs"/>
-                        </a:rPr>
-                        <a:t>Function</a:t>
-                      </a:r>
-                    </a:p>
-                  </a:txBody>
-                  <a:tcPr/>
-                </a:tc>
-                <a:tc>
-                  <a:txBody>
-                    <a:bodyPr/>
-                    <a:lstStyle/>
-                    <a:p>
-                      <a:pPr rtl="1"/>
-                      <a:r>
-                        <a:rPr lang="he-IL" dirty="0"/>
-                        <a:t>אין</a:t>
-                      </a:r>
-                    </a:p>
-                  </a:txBody>
-                  <a:tcPr/>
-                </a:tc>
-                <a:tc>
-                  <a:txBody>
-                    <a:bodyPr/>
-                    <a:lstStyle/>
-                    <a:p>
-                      <a:pPr rtl="1"/>
-                      <a:r>
-                        <a:rPr lang="en-US" dirty="0"/>
-                        <a:t>Update</a:t>
-                      </a:r>
-                      <a:endParaRPr lang="he-IL" dirty="0"/>
-                    </a:p>
-                  </a:txBody>
-                  <a:tcPr/>
-                </a:tc>
-                <a:tc>
-                  <a:txBody>
-                    <a:bodyPr/>
-                    <a:lstStyle/>
-                    <a:p>
-                      <a:pPr rtl="1"/>
-                      <a:r>
-                        <a:rPr lang="he-IL" dirty="0"/>
-                        <a:t>אין</a:t>
-                      </a:r>
-                    </a:p>
-                  </a:txBody>
-                  <a:tcPr/>
-                </a:tc>
-                <a:extLst>
-                  <a:ext uri="{0D108BD9-81ED-4DB2-BD59-A6C34878D82A}">
-                    <a16:rowId xmlns:a16="http://schemas.microsoft.com/office/drawing/2014/main" val="321831216"/>
-                  </a:ext>
-                </a:extLst>
-              </a:tr>
-              <a:tr h="877389">
-                <a:tc>
-                  <a:txBody>
-                    <a:bodyPr/>
-                    <a:lstStyle/>
-                    <a:p>
-                      <a:pPr rtl="1"/>
-                      <a:r>
-                        <a:rPr lang="en-US" sz="2000" dirty="0"/>
-                        <a:t>About</a:t>
-                      </a:r>
-                      <a:endParaRPr lang="he-IL" sz="2000" dirty="0"/>
-                    </a:p>
-                  </a:txBody>
-                  <a:tcPr/>
-                </a:tc>
-                <a:tc>
-                  <a:txBody>
-                    <a:bodyPr/>
-                    <a:lstStyle/>
-                    <a:p>
-                      <a:pPr marL="0" marR="0" lvl="0" indent="0" algn="r" defTabSz="914400" rtl="1" eaLnBrk="1" fontAlgn="auto" latinLnBrk="0" hangingPunct="1">
-                        <a:lnSpc>
-                          <a:spcPct val="100000"/>
-                        </a:lnSpc>
-                        <a:spcBef>
-                          <a:spcPts val="0"/>
-                        </a:spcBef>
-                        <a:spcAft>
-                          <a:spcPts val="0"/>
-                        </a:spcAft>
-                        <a:buClrTx/>
-                        <a:buSzTx/>
-                        <a:buFontTx/>
-                        <a:buNone/>
-                        <a:tabLst/>
-                        <a:defRPr/>
-                      </a:pPr>
-                      <a:r>
-                        <a:rPr lang="he-IL" sz="1800" dirty="0"/>
-                        <a:t>מציג מידע על האתר</a:t>
-                      </a:r>
-                      <a:endParaRPr lang="en-US" sz="1800" dirty="0"/>
-                    </a:p>
-                  </a:txBody>
-                  <a:tcPr/>
-                </a:tc>
-                <a:tc>
-                  <a:txBody>
-                    <a:bodyPr/>
-                    <a:lstStyle/>
-                    <a:p>
-                      <a:pPr rtl="1"/>
-                      <a:r>
-                        <a:rPr lang="he-IL" dirty="0"/>
-                        <a:t>אין</a:t>
-                      </a:r>
-                    </a:p>
-                  </a:txBody>
-                  <a:tcPr/>
-                </a:tc>
-                <a:tc>
-                  <a:txBody>
-                    <a:bodyPr/>
-                    <a:lstStyle/>
-                    <a:p>
-                      <a:pPr rtl="1"/>
-                      <a:r>
-                        <a:rPr lang="he-IL" dirty="0"/>
-                        <a:t>אין</a:t>
-                      </a:r>
-                    </a:p>
-                  </a:txBody>
-                  <a:tcPr/>
-                </a:tc>
-                <a:tc>
-                  <a:txBody>
-                    <a:bodyPr/>
-                    <a:lstStyle/>
-                    <a:p>
-                      <a:pPr rtl="1"/>
-                      <a:r>
-                        <a:rPr lang="en-US" sz="1800" dirty="0" err="1"/>
-                        <a:t>AppLayout</a:t>
-                      </a:r>
-                      <a:endParaRPr lang="he-IL" dirty="0"/>
-                    </a:p>
-                  </a:txBody>
-                  <a:tcPr/>
-                </a:tc>
-                <a:tc>
-                  <a:txBody>
-                    <a:bodyPr/>
-                    <a:lstStyle/>
-                    <a:p>
-                      <a:pPr rtl="1"/>
-                      <a:r>
-                        <a:rPr lang="he-IL" dirty="0"/>
-                        <a:t>אין</a:t>
-                      </a:r>
-                    </a:p>
-                  </a:txBody>
-                  <a:tcPr/>
-                </a:tc>
-                <a:extLst>
-                  <a:ext uri="{0D108BD9-81ED-4DB2-BD59-A6C34878D82A}">
-                    <a16:rowId xmlns:a16="http://schemas.microsoft.com/office/drawing/2014/main" val="205823797"/>
-                  </a:ext>
-                </a:extLst>
-              </a:tr>
-              <a:tr h="877389">
-                <a:tc>
-                  <a:txBody>
-                    <a:bodyPr/>
-                    <a:lstStyle/>
-                    <a:p>
-                      <a:pPr rtl="1"/>
-                      <a:r>
-                        <a:rPr lang="en-US" sz="2000" dirty="0"/>
-                        <a:t>Home</a:t>
-                      </a:r>
-                      <a:endParaRPr lang="he-IL" sz="2000" dirty="0"/>
-                    </a:p>
-                  </a:txBody>
-                  <a:tcPr/>
-                </a:tc>
-                <a:tc>
-                  <a:txBody>
-                    <a:bodyPr/>
-                    <a:lstStyle/>
-                    <a:p>
-                      <a:pPr rtl="1"/>
-                      <a:r>
-                        <a:rPr lang="he-IL" dirty="0"/>
-                        <a:t>עמוד הבית</a:t>
-                      </a:r>
-                    </a:p>
-                  </a:txBody>
-                  <a:tcPr/>
-                </a:tc>
-                <a:tc>
-                  <a:txBody>
-                    <a:bodyPr/>
-                    <a:lstStyle/>
-                    <a:p>
-                      <a:pPr rtl="1"/>
-                      <a:r>
-                        <a:rPr lang="he-IL" dirty="0"/>
-                        <a:t>אין</a:t>
-                      </a:r>
-                    </a:p>
-                  </a:txBody>
-                  <a:tcPr/>
-                </a:tc>
-                <a:tc>
-                  <a:txBody>
-                    <a:bodyPr/>
-                    <a:lstStyle/>
-                    <a:p>
-                      <a:pPr rtl="1"/>
-                      <a:r>
-                        <a:rPr lang="he-IL" dirty="0"/>
-                        <a:t>אין</a:t>
-                      </a:r>
-                    </a:p>
-                  </a:txBody>
-                  <a:tcPr/>
-                </a:tc>
-                <a:tc>
-                  <a:txBody>
-                    <a:bodyPr/>
-                    <a:lstStyle/>
-                    <a:p>
-                      <a:pPr rtl="1"/>
-                      <a:r>
-                        <a:rPr lang="en-US" sz="1800" dirty="0" err="1"/>
-                        <a:t>AppLayout</a:t>
-                      </a:r>
-                      <a:endParaRPr lang="he-IL" dirty="0"/>
-                    </a:p>
-                  </a:txBody>
-                  <a:tcPr/>
-                </a:tc>
-                <a:tc>
-                  <a:txBody>
-                    <a:bodyPr/>
-                    <a:lstStyle/>
-                    <a:p>
-                      <a:pPr rtl="1"/>
-                      <a:r>
-                        <a:rPr lang="he-IL" dirty="0"/>
-                        <a:t>אין</a:t>
-                      </a:r>
-                    </a:p>
-                  </a:txBody>
-                  <a:tcPr/>
-                </a:tc>
-                <a:extLst>
-                  <a:ext uri="{0D108BD9-81ED-4DB2-BD59-A6C34878D82A}">
-                    <a16:rowId xmlns:a16="http://schemas.microsoft.com/office/drawing/2014/main" val="1228641036"/>
-                  </a:ext>
-                </a:extLst>
-              </a:tr>
-              <a:tr h="877389">
-                <a:tc>
-                  <a:txBody>
-                    <a:bodyPr/>
-                    <a:lstStyle/>
-                    <a:p>
-                      <a:pPr rtl="1"/>
-                      <a:r>
-                        <a:rPr lang="en-US" sz="2000" dirty="0"/>
-                        <a:t>Recipe</a:t>
-                      </a:r>
-                      <a:endParaRPr lang="he-IL" sz="2000" dirty="0"/>
-                    </a:p>
-                  </a:txBody>
-                  <a:tcPr/>
-                </a:tc>
-                <a:tc>
-                  <a:txBody>
-                    <a:bodyPr/>
-                    <a:lstStyle/>
-                    <a:p>
-                      <a:pPr rtl="1"/>
-                      <a:endParaRPr lang="he-IL" dirty="0"/>
-                    </a:p>
-                  </a:txBody>
-                  <a:tcPr/>
-                </a:tc>
-                <a:tc>
-                  <a:txBody>
-                    <a:bodyPr/>
-                    <a:lstStyle/>
-                    <a:p>
-                      <a:pPr rtl="1"/>
-                      <a:r>
-                        <a:rPr lang="he-IL" dirty="0"/>
-                        <a:t>אין</a:t>
-                      </a:r>
-                    </a:p>
-                  </a:txBody>
-                  <a:tcPr/>
-                </a:tc>
-                <a:tc>
-                  <a:txBody>
-                    <a:bodyPr/>
-                    <a:lstStyle/>
-                    <a:p>
-                      <a:pPr rtl="1"/>
-                      <a:r>
-                        <a:rPr lang="he-IL" dirty="0"/>
-                        <a:t>אין</a:t>
-                      </a:r>
-                    </a:p>
-                  </a:txBody>
-                  <a:tcPr/>
-                </a:tc>
-                <a:tc>
-                  <a:txBody>
-                    <a:bodyPr/>
-                    <a:lstStyle/>
-                    <a:p>
-                      <a:pPr rtl="1"/>
-                      <a:r>
-                        <a:rPr lang="en-US" sz="1800" dirty="0" err="1"/>
-                        <a:t>AppLayout</a:t>
-                      </a:r>
-                      <a:endParaRPr lang="he-IL" dirty="0"/>
-                    </a:p>
-                  </a:txBody>
-                  <a:tcPr/>
-                </a:tc>
-                <a:tc>
-                  <a:txBody>
-                    <a:bodyPr/>
-                    <a:lstStyle/>
-                    <a:p>
-                      <a:pPr rtl="1"/>
-                      <a:r>
-                        <a:rPr lang="en-US" sz="1800" dirty="0" err="1"/>
-                        <a:t>RecipesList</a:t>
-                      </a:r>
-                      <a:r>
-                        <a:rPr lang="en-US" sz="1800" dirty="0"/>
-                        <a:t>, </a:t>
-                      </a:r>
-                      <a:r>
-                        <a:rPr lang="en-US" sz="1800" dirty="0" err="1"/>
-                        <a:t>RecipeShow</a:t>
-                      </a:r>
-                      <a:endParaRPr lang="he-IL" dirty="0"/>
-                    </a:p>
-                  </a:txBody>
-                  <a:tcPr/>
-                </a:tc>
-                <a:extLst>
-                  <a:ext uri="{0D108BD9-81ED-4DB2-BD59-A6C34878D82A}">
-                    <a16:rowId xmlns:a16="http://schemas.microsoft.com/office/drawing/2014/main" val="2479523694"/>
-                  </a:ext>
-                </a:extLst>
-              </a:tr>
-              <a:tr h="877389">
-                <a:tc>
-                  <a:txBody>
-                    <a:bodyPr/>
-                    <a:lstStyle/>
-                    <a:p>
-                      <a:pPr rtl="1"/>
-                      <a:r>
-                        <a:rPr lang="en-US" sz="2000" dirty="0" err="1"/>
-                        <a:t>RecipesList</a:t>
-                      </a:r>
-                      <a:endParaRPr lang="he-IL" sz="2000" dirty="0"/>
-                    </a:p>
-                  </a:txBody>
-                  <a:tcPr/>
-                </a:tc>
-                <a:tc>
-                  <a:txBody>
-                    <a:bodyPr/>
-                    <a:lstStyle/>
-                    <a:p>
-                      <a:pPr rtl="1"/>
-                      <a:r>
-                        <a:rPr lang="he-IL" sz="1800" dirty="0"/>
-                        <a:t>מציג את רשימת המתכונים </a:t>
-                      </a:r>
-                      <a:endParaRPr lang="he-IL" dirty="0"/>
-                    </a:p>
-                  </a:txBody>
-                  <a:tcPr/>
-                </a:tc>
-                <a:tc>
-                  <a:txBody>
-                    <a:bodyPr/>
-                    <a:lstStyle/>
-                    <a:p>
-                      <a:pPr rtl="1"/>
-                      <a:r>
-                        <a:rPr lang="he-IL" dirty="0"/>
-                        <a:t>אין</a:t>
-                      </a:r>
-                    </a:p>
-                  </a:txBody>
-                  <a:tcPr/>
-                </a:tc>
-                <a:tc>
-                  <a:txBody>
-                    <a:bodyPr/>
-                    <a:lstStyle/>
-                    <a:p>
-                      <a:pPr rtl="1"/>
-                      <a:r>
-                        <a:rPr lang="en-US" dirty="0"/>
-                        <a:t>Reducer</a:t>
-                      </a:r>
-                      <a:endParaRPr lang="he-IL" dirty="0"/>
-                    </a:p>
-                  </a:txBody>
-                  <a:tcPr/>
-                </a:tc>
-                <a:tc>
-                  <a:txBody>
-                    <a:bodyPr/>
-                    <a:lstStyle/>
-                    <a:p>
-                      <a:pPr rtl="1"/>
-                      <a:r>
-                        <a:rPr lang="en-US" sz="1800" dirty="0"/>
-                        <a:t>Recipe</a:t>
-                      </a:r>
-                      <a:endParaRPr lang="he-IL" dirty="0"/>
-                    </a:p>
-                  </a:txBody>
-                  <a:tcPr/>
-                </a:tc>
-                <a:tc>
-                  <a:txBody>
-                    <a:bodyPr/>
-                    <a:lstStyle/>
-                    <a:p>
-                      <a:pPr rtl="1"/>
-                      <a:r>
-                        <a:rPr lang="he-IL" dirty="0"/>
-                        <a:t>אין</a:t>
-                      </a:r>
-                    </a:p>
-                  </a:txBody>
-                  <a:tcPr/>
-                </a:tc>
-                <a:extLst>
-                  <a:ext uri="{0D108BD9-81ED-4DB2-BD59-A6C34878D82A}">
-                    <a16:rowId xmlns:a16="http://schemas.microsoft.com/office/drawing/2014/main" val="599680128"/>
-                  </a:ext>
-                </a:extLst>
-              </a:tr>
-              <a:tr h="877389">
-                <a:tc>
-                  <a:txBody>
-                    <a:bodyPr/>
-                    <a:lstStyle/>
-                    <a:p>
-                      <a:pPr rtl="1"/>
-                      <a:r>
-                        <a:rPr lang="en-US" sz="2000" dirty="0" err="1"/>
-                        <a:t>RecipeShow</a:t>
-                      </a:r>
-                      <a:endParaRPr lang="he-IL" sz="2000" dirty="0"/>
-                    </a:p>
-                  </a:txBody>
-                  <a:tcPr/>
-                </a:tc>
-                <a:tc>
-                  <a:txBody>
-                    <a:bodyPr/>
-                    <a:lstStyle/>
-                    <a:p>
-                      <a:pPr rtl="1"/>
-                      <a:r>
-                        <a:rPr lang="he-IL" sz="1800" dirty="0"/>
-                        <a:t>מציג מתכון בפירוט מלא</a:t>
-                      </a:r>
-                      <a:endParaRPr lang="he-IL" dirty="0"/>
-                    </a:p>
-                  </a:txBody>
-                  <a:tcPr/>
-                </a:tc>
-                <a:tc>
-                  <a:txBody>
-                    <a:bodyPr/>
-                    <a:lstStyle/>
-                    <a:p>
-                      <a:pPr rtl="1"/>
-                      <a:r>
-                        <a:rPr lang="he-IL" dirty="0"/>
-                        <a:t>אין</a:t>
-                      </a:r>
-                    </a:p>
-                  </a:txBody>
-                  <a:tcPr/>
-                </a:tc>
-                <a:tc>
-                  <a:txBody>
-                    <a:bodyPr/>
-                    <a:lstStyle/>
-                    <a:p>
-                      <a:pPr rtl="1"/>
-                      <a:r>
-                        <a:rPr lang="en-US" dirty="0"/>
-                        <a:t>Reducer</a:t>
-                      </a:r>
-                      <a:endParaRPr lang="he-IL" dirty="0"/>
-                    </a:p>
-                    <a:p>
-                      <a:pPr rtl="1"/>
-                      <a:r>
-                        <a:rPr lang="en-US" dirty="0"/>
-                        <a:t>Context</a:t>
-                      </a:r>
-                      <a:endParaRPr lang="he-IL" dirty="0"/>
-                    </a:p>
-                  </a:txBody>
-                  <a:tcPr/>
-                </a:tc>
-                <a:tc>
-                  <a:txBody>
-                    <a:bodyPr/>
-                    <a:lstStyle/>
-                    <a:p>
-                      <a:pPr rtl="1"/>
-                      <a:r>
-                        <a:rPr lang="en-US" sz="1800" dirty="0"/>
-                        <a:t>Recipe</a:t>
-                      </a:r>
-                      <a:endParaRPr lang="he-IL" dirty="0"/>
-                    </a:p>
-                  </a:txBody>
-                  <a:tcPr/>
-                </a:tc>
-                <a:tc>
-                  <a:txBody>
-                    <a:bodyPr/>
-                    <a:lstStyle/>
-                    <a:p>
-                      <a:pPr marL="0" marR="0" lvl="0" indent="0" algn="r" defTabSz="914400" rtl="1" eaLnBrk="1" fontAlgn="auto" latinLnBrk="0" hangingPunct="1">
-                        <a:lnSpc>
-                          <a:spcPct val="100000"/>
-                        </a:lnSpc>
-                        <a:spcBef>
-                          <a:spcPts val="0"/>
-                        </a:spcBef>
-                        <a:spcAft>
-                          <a:spcPts val="0"/>
-                        </a:spcAft>
-                        <a:buClrTx/>
-                        <a:buSzTx/>
-                        <a:buFontTx/>
-                        <a:buNone/>
-                        <a:tabLst/>
-                        <a:defRPr/>
-                      </a:pPr>
-                      <a:r>
-                        <a:rPr lang="en-US" sz="1800" b="0" kern="1200" dirty="0" err="1">
-                          <a:solidFill>
-                            <a:schemeClr val="dk1"/>
-                          </a:solidFill>
-                          <a:effectLst/>
-                          <a:latin typeface="+mn-lt"/>
-                          <a:ea typeface="+mn-ea"/>
-                          <a:cs typeface="+mn-cs"/>
                         </a:rPr>
                         <a:t>UpdateRecipe</a:t>
                       </a:r>
@@ -5456,9 +7231,6 @@
                           <a:schemeClr val="dk1"/>
                         </a:solidFill>
                         <a:effectLst/>
-                        <a:latin typeface="+mn-lt"/>
-                        <a:ea typeface="+mn-ea"/>
-                        <a:cs typeface="+mn-cs"/>
                       </a:endParaRPr>
                     </a:p>
                     <a:p>
@@ -5523,13 +7295,13 @@
           <p:nvPr>
             <p:extLst>
               <p:ext uri="{D42A27DB-BD31-4B8C-83A1-F6EECF244321}">
-                <p14:modId xmlns:p14="http://schemas.microsoft.com/office/powerpoint/2010/main" val="486298840"/>
+                <p14:modId xmlns:p14="http://schemas.microsoft.com/office/powerpoint/2010/main" val="4118541660"/>
               </p:ext>
             </p:extLst>
           </p:nvPr>
         </p:nvGraphicFramePr>
         <p:xfrm>
-          <a:off x="381000" y="202473"/>
+          <a:off x="381000" y="825926"/>
           <a:ext cx="11460480" cy="4095207"/>
         </p:xfrm>
         <a:graphic>
@@ -5553,14 +7325,14 @@
                     </a:ext>
                   </a:extLst>
                 </a:gridCol>
-                <a:gridCol w="1910080">
+                <a:gridCol w="2069407">
                   <a:extLst>
                     <a:ext uri="{9D8B030D-6E8A-4147-A177-3AD203B41FA5}">
                       <a16:colId xmlns:a16="http://schemas.microsoft.com/office/drawing/2014/main" val="1172157102"/>
                     </a:ext>
                   </a:extLst>
                 </a:gridCol>
-                <a:gridCol w="1910080">
+                <a:gridCol w="1750753">
                   <a:extLst>
                     <a:ext uri="{9D8B030D-6E8A-4147-A177-3AD203B41FA5}">
                       <a16:colId xmlns:a16="http://schemas.microsoft.com/office/drawing/2014/main" val="859838571"/>
@@ -5704,7 +7476,7 @@
                       <a:pPr rtl="1"/>
                       <a:r>
                         <a:rPr lang="he-IL" sz="1600" dirty="0"/>
-                        <a:t>מאפשר למשתמש להוסיף מתכון חדש</a:t>
+                        <a:t>הוספת מתכון חדש- רק למשתמש מחובר</a:t>
                       </a:r>
                     </a:p>
                   </a:txBody>
@@ -5822,7 +7594,7 @@
                       </a:pPr>
                       <a:r>
                         <a:rPr lang="he-IL" sz="1600" dirty="0"/>
-                        <a:t>מאפשר למחבר המתכון להוסיף מתכון חדש</a:t>
+                        <a:t>עריכת מתכון- ליוצר  המתכון בלבד</a:t>
                       </a:r>
                     </a:p>
                   </a:txBody>
@@ -5893,7 +7665,7 @@
                       <a:pPr rtl="1"/>
                       <a:r>
                         <a:rPr lang="en-US" sz="1800" dirty="0" err="1"/>
-                        <a:t>RecipeShow</a:t>
+                        <a:t>RecipeView</a:t>
                       </a:r>
                       <a:endParaRPr lang="he-IL" dirty="0"/>
                     </a:p>
@@ -5966,7 +7738,7 @@
                           <a:ea typeface="+mn-ea"/>
                           <a:cs typeface="+mn-cs"/>
                         </a:rPr>
-                        <a:t>recipe: Recipe, </a:t>
+                        <a:t>recipe: </a:t>
                       </a:r>
                       <a:r>
                         <a:rPr lang="en-US" sz="1800" b="0" kern="1200" dirty="0" err="1">
@@ -5978,7 +7750,7 @@
                           <a:ea typeface="+mn-ea"/>
                           <a:cs typeface="+mn-cs"/>
                         </a:rPr>
-                        <a:t>setForm</a:t>
+                        <a:t>RecipeOnSubmit</a:t>
                       </a:r>
                       <a:r>
                         <a:rPr lang="en-US" sz="1800" b="0" kern="1200" dirty="0">
@@ -5990,7 +7762,31 @@
                           <a:ea typeface="+mn-ea"/>
                           <a:cs typeface="+mn-cs"/>
                         </a:rPr>
-                        <a:t>: Function, open: </a:t>
+                        <a:t>: Function </a:t>
+                      </a:r>
+                      <a:r>
+                        <a:rPr lang="en-US" sz="1800" b="0" kern="1200" dirty="0" err="1">
+                          <a:solidFill>
+                            <a:schemeClr val="dk1"/>
+                          </a:solidFill>
+                          <a:effectLst/>
+                          <a:latin typeface="+mn-lt"/>
+                          <a:ea typeface="+mn-ea"/>
+                          <a:cs typeface="+mn-cs"/>
+                        </a:rPr>
+                        <a:t>openForm</a:t>
+                      </a:r>
+                      <a:r>
+                        <a:rPr lang="en-US" sz="1800" b="0" kern="1200" dirty="0">
+                          <a:solidFill>
+                            <a:schemeClr val="dk1"/>
+                          </a:solidFill>
+                          <a:effectLst/>
+                          <a:latin typeface="+mn-lt"/>
+                          <a:ea typeface="+mn-ea"/>
+                          <a:cs typeface="+mn-cs"/>
+                        </a:rPr>
+                        <a:t>: </a:t>
                       </a:r>
                       <a:r>
                         <a:rPr lang="en-US" sz="1800" b="0" kern="1200" dirty="0" err="1">
@@ -6014,7 +7810,7 @@
                           <a:ea typeface="+mn-ea"/>
                           <a:cs typeface="+mn-cs"/>
                         </a:rPr>
-                        <a:t>, </a:t>
+                        <a:t> </a:t>
                       </a:r>
                       <a:r>
                         <a:rPr lang="en-US" sz="1800" b="0" kern="1200" dirty="0" err="1">
@@ -6026,20 +7822,17 @@
                           <a:ea typeface="+mn-ea"/>
                           <a:cs typeface="+mn-cs"/>
                         </a:rPr>
-                        <a:t>setOpen</a:t>
-                      </a:r>
-                      <a:r>
-                        <a:rPr lang="en-US" sz="1800" b="0" kern="1200" dirty="0">
-                          <a:solidFill>
-                            <a:schemeClr val="dk1"/>
-                          </a:solidFill>
-                          <a:effectLst/>
-                          <a:latin typeface="+mn-lt"/>
-                          <a:ea typeface="+mn-ea"/>
-                          <a:cs typeface="+mn-cs"/>
-                        </a:rPr>
-                        <a:t>: Function</a:t>
-                      </a:r>
+                        <a:t>setOpenForm</a:t>
+                      </a:r>
+                      <a:endParaRPr lang="en-US" sz="1800" b="0" kern="1200" dirty="0">
+                        <a:solidFill>
+                          <a:schemeClr val="dk1"/>
+                        </a:solidFill>
+                        <a:effectLst/>
+                        <a:latin typeface="+mn-lt"/>
+                        <a:ea typeface="+mn-ea"/>
+                        <a:cs typeface="+mn-cs"/>
+                      </a:endParaRPr>
                     </a:p>
                   </a:txBody>
                   <a:tcPr/>
@@ -6113,1448 +7906,6 @@
     <p:extLst>
       <p:ext uri="{BB962C8B-B14F-4D97-AF65-F5344CB8AC3E}">
         <p14:creationId xmlns:p14="http://schemas.microsoft.com/office/powerpoint/2010/main" val="2459746689"/>
-      </p:ext>
-    </p:extLst>
-  </p:cSld>
-  <p:clrMapOvr>
-    <a:masterClrMapping/>
-  </p:clrMapOvr>
-</p:sld>
-</file>
-
-<file path=ppt/slides/slide6.xml><?xml version="1.0" encoding="utf-8"?>
-<p:sld xmlns:a="http://schemas.openxmlformats.org/drawingml/2006/main" xmlns:r="http://schemas.openxmlformats.org/officeDocument/2006/relationships" xmlns:p="http://schemas.openxmlformats.org/presentationml/2006/main">
-  <p:cSld>
-    <p:spTree>
-      <p:nvGrpSpPr>
-        <p:cNvPr id="1" name=""/>
-        <p:cNvGrpSpPr/>
-        <p:nvPr/>
-      </p:nvGrpSpPr>
-      <p:grpSpPr>
-        <a:xfrm>
-          <a:off x="0" y="0"/>
-          <a:ext cx="0" cy="0"/>
-          <a:chOff x="0" y="0"/>
-          <a:chExt cx="0" cy="0"/>
-        </a:xfrm>
-      </p:grpSpPr>
-      <p:sp>
-        <p:nvSpPr>
-          <p:cNvPr id="4" name="כותרת 1">
-            <a:extLst>
-              <a:ext uri="{FF2B5EF4-FFF2-40B4-BE49-F238E27FC236}">
-                <a16:creationId xmlns:a16="http://schemas.microsoft.com/office/drawing/2014/main" id="{3F1561EF-A275-46AF-A864-6A5178901673}"/>
-              </a:ext>
-            </a:extLst>
-          </p:cNvPr>
-          <p:cNvSpPr txBox="1">
-            <a:spLocks/>
-          </p:cNvSpPr>
-          <p:nvPr/>
-        </p:nvSpPr>
-        <p:spPr>
-          <a:xfrm>
-            <a:off x="899160" y="1625283"/>
-            <a:ext cx="9875520" cy="2387600"/>
-          </a:xfrm>
-          <a:prstGeom prst="rect">
-            <a:avLst/>
-          </a:prstGeom>
-        </p:spPr>
-        <p:txBody>
-          <a:bodyPr vert="horz" lIns="91440" tIns="45720" rIns="91440" bIns="45720" rtlCol="1" anchor="b">
-            <a:noAutofit/>
-          </a:bodyPr>
-          <a:lstStyle>
-            <a:lvl1pPr algn="ctr" defTabSz="914400" rtl="1" eaLnBrk="1" latinLnBrk="0" hangingPunct="1">
-              <a:lnSpc>
-                <a:spcPct val="90000"/>
-              </a:lnSpc>
-              <a:spcBef>
-                <a:spcPct val="0"/>
-              </a:spcBef>
-              <a:buNone/>
-              <a:defRPr sz="6000" kern="1200">
-                <a:solidFill>
-                  <a:schemeClr val="tx1"/>
-                </a:solidFill>
-                <a:latin typeface="+mj-lt"/>
-                <a:ea typeface="+mj-ea"/>
-                <a:cs typeface="+mj-cs"/>
-              </a:defRPr>
-            </a:lvl1pPr>
-          </a:lstStyle>
-          <a:p>
-            <a:r>
-              <a:rPr lang="he-IL" sz="9600" b="1" dirty="0">
-                <a:cs typeface="Ahla" pitchFamily="2" charset="-79"/>
-              </a:rPr>
-              <a:t>-תרשים זרימה-</a:t>
-            </a:r>
-          </a:p>
-        </p:txBody>
-      </p:sp>
-    </p:spTree>
-    <p:extLst>
-      <p:ext uri="{BB962C8B-B14F-4D97-AF65-F5344CB8AC3E}">
-        <p14:creationId xmlns:p14="http://schemas.microsoft.com/office/powerpoint/2010/main" val="3233208598"/>
-      </p:ext>
-    </p:extLst>
-  </p:cSld>
-  <p:clrMapOvr>
-    <a:masterClrMapping/>
-  </p:clrMapOvr>
-</p:sld>
-</file>
-
-<file path=ppt/slides/slide7.xml><?xml version="1.0" encoding="utf-8"?>
-<p:sld xmlns:a="http://schemas.openxmlformats.org/drawingml/2006/main" xmlns:r="http://schemas.openxmlformats.org/officeDocument/2006/relationships" xmlns:p="http://schemas.openxmlformats.org/presentationml/2006/main">
-  <p:cSld>
-    <p:spTree>
-      <p:nvGrpSpPr>
-        <p:cNvPr id="1" name=""/>
-        <p:cNvGrpSpPr/>
-        <p:nvPr/>
-      </p:nvGrpSpPr>
-      <p:grpSpPr>
-        <a:xfrm>
-          <a:off x="0" y="0"/>
-          <a:ext cx="0" cy="0"/>
-          <a:chOff x="0" y="0"/>
-          <a:chExt cx="0" cy="0"/>
-        </a:xfrm>
-      </p:grpSpPr>
-      <p:sp>
-        <p:nvSpPr>
-          <p:cNvPr id="4" name="מלבן: פינות מעוגלות 3">
-            <a:extLst>
-              <a:ext uri="{FF2B5EF4-FFF2-40B4-BE49-F238E27FC236}">
-                <a16:creationId xmlns:a16="http://schemas.microsoft.com/office/drawing/2014/main" id="{D828FA60-1B80-C29B-1A09-DF53BD507E05}"/>
-              </a:ext>
-            </a:extLst>
-          </p:cNvPr>
-          <p:cNvSpPr/>
-          <p:nvPr/>
-        </p:nvSpPr>
-        <p:spPr>
-          <a:xfrm>
-            <a:off x="5424195" y="688727"/>
-            <a:ext cx="1343610" cy="407164"/>
-          </a:xfrm>
-          <a:prstGeom prst="roundRect">
-            <a:avLst/>
-          </a:prstGeom>
-        </p:spPr>
-        <p:style>
-          <a:lnRef idx="2">
-            <a:schemeClr val="accent1"/>
-          </a:lnRef>
-          <a:fillRef idx="1">
-            <a:schemeClr val="lt1"/>
-          </a:fillRef>
-          <a:effectRef idx="0">
-            <a:schemeClr val="accent1"/>
-          </a:effectRef>
-          <a:fontRef idx="minor">
-            <a:schemeClr val="dk1"/>
-          </a:fontRef>
-        </p:style>
-        <p:txBody>
-          <a:bodyPr rtlCol="1" anchor="ctr"/>
-          <a:lstStyle/>
-          <a:p>
-            <a:pPr algn="ctr"/>
-            <a:r>
-              <a:rPr lang="en-US" dirty="0" err="1"/>
-              <a:t>Applayout</a:t>
-            </a:r>
-            <a:endParaRPr lang="en-US" dirty="0"/>
-          </a:p>
-        </p:txBody>
-      </p:sp>
-      <p:sp>
-        <p:nvSpPr>
-          <p:cNvPr id="5" name="מלבן: פינות מעוגלות 4">
-            <a:extLst>
-              <a:ext uri="{FF2B5EF4-FFF2-40B4-BE49-F238E27FC236}">
-                <a16:creationId xmlns:a16="http://schemas.microsoft.com/office/drawing/2014/main" id="{7EDBCC01-77A2-3EA3-7538-B32D9C52E8DF}"/>
-              </a:ext>
-            </a:extLst>
-          </p:cNvPr>
-          <p:cNvSpPr/>
-          <p:nvPr/>
-        </p:nvSpPr>
-        <p:spPr>
-          <a:xfrm>
-            <a:off x="3178940" y="2450922"/>
-            <a:ext cx="1343610" cy="407164"/>
-          </a:xfrm>
-          <a:prstGeom prst="roundRect">
-            <a:avLst/>
-          </a:prstGeom>
-        </p:spPr>
-        <p:style>
-          <a:lnRef idx="2">
-            <a:schemeClr val="accent1"/>
-          </a:lnRef>
-          <a:fillRef idx="1">
-            <a:schemeClr val="lt1"/>
-          </a:fillRef>
-          <a:effectRef idx="0">
-            <a:schemeClr val="accent1"/>
-          </a:effectRef>
-          <a:fontRef idx="minor">
-            <a:schemeClr val="dk1"/>
-          </a:fontRef>
-        </p:style>
-        <p:txBody>
-          <a:bodyPr rtlCol="1" anchor="ctr"/>
-          <a:lstStyle/>
-          <a:p>
-            <a:pPr algn="ctr"/>
-            <a:r>
-              <a:rPr lang="en-US" dirty="0" err="1"/>
-              <a:t>NavBar</a:t>
-            </a:r>
-            <a:endParaRPr lang="en-US" dirty="0"/>
-          </a:p>
-        </p:txBody>
-      </p:sp>
-      <p:sp>
-        <p:nvSpPr>
-          <p:cNvPr id="6" name="מלבן: פינות מעוגלות 5">
-            <a:extLst>
-              <a:ext uri="{FF2B5EF4-FFF2-40B4-BE49-F238E27FC236}">
-                <a16:creationId xmlns:a16="http://schemas.microsoft.com/office/drawing/2014/main" id="{7F60EDD7-5AFD-C566-C5E6-D8FDD17C78D0}"/>
-              </a:ext>
-            </a:extLst>
-          </p:cNvPr>
-          <p:cNvSpPr/>
-          <p:nvPr/>
-        </p:nvSpPr>
-        <p:spPr>
-          <a:xfrm>
-            <a:off x="1686041" y="2452660"/>
-            <a:ext cx="1343610" cy="407164"/>
-          </a:xfrm>
-          <a:prstGeom prst="roundRect">
-            <a:avLst/>
-          </a:prstGeom>
-        </p:spPr>
-        <p:style>
-          <a:lnRef idx="2">
-            <a:schemeClr val="accent1"/>
-          </a:lnRef>
-          <a:fillRef idx="1">
-            <a:schemeClr val="lt1"/>
-          </a:fillRef>
-          <a:effectRef idx="0">
-            <a:schemeClr val="accent1"/>
-          </a:effectRef>
-          <a:fontRef idx="minor">
-            <a:schemeClr val="dk1"/>
-          </a:fontRef>
-        </p:style>
-        <p:txBody>
-          <a:bodyPr rtlCol="1" anchor="ctr"/>
-          <a:lstStyle/>
-          <a:p>
-            <a:pPr algn="ctr"/>
-            <a:r>
-              <a:rPr lang="en-US" dirty="0" err="1"/>
-              <a:t>UserName</a:t>
-            </a:r>
-            <a:endParaRPr lang="en-US" dirty="0"/>
-          </a:p>
-        </p:txBody>
-      </p:sp>
-      <p:sp>
-        <p:nvSpPr>
-          <p:cNvPr id="7" name="מלבן: פינות מעוגלות 6">
-            <a:extLst>
-              <a:ext uri="{FF2B5EF4-FFF2-40B4-BE49-F238E27FC236}">
-                <a16:creationId xmlns:a16="http://schemas.microsoft.com/office/drawing/2014/main" id="{34B1C5FD-D9F3-CF67-07BC-62DCD29168E1}"/>
-              </a:ext>
-            </a:extLst>
-          </p:cNvPr>
-          <p:cNvSpPr/>
-          <p:nvPr/>
-        </p:nvSpPr>
-        <p:spPr>
-          <a:xfrm>
-            <a:off x="186921" y="2452660"/>
-            <a:ext cx="1343612" cy="407164"/>
-          </a:xfrm>
-          <a:prstGeom prst="roundRect">
-            <a:avLst/>
-          </a:prstGeom>
-        </p:spPr>
-        <p:style>
-          <a:lnRef idx="2">
-            <a:schemeClr val="accent1"/>
-          </a:lnRef>
-          <a:fillRef idx="1">
-            <a:schemeClr val="lt1"/>
-          </a:fillRef>
-          <a:effectRef idx="0">
-            <a:schemeClr val="accent1"/>
-          </a:effectRef>
-          <a:fontRef idx="minor">
-            <a:schemeClr val="dk1"/>
-          </a:fontRef>
-        </p:style>
-        <p:txBody>
-          <a:bodyPr rtlCol="1" anchor="ctr"/>
-          <a:lstStyle/>
-          <a:p>
-            <a:pPr algn="ctr"/>
-            <a:r>
-              <a:rPr lang="en-US" dirty="0"/>
-              <a:t>Login</a:t>
-            </a:r>
-          </a:p>
-        </p:txBody>
-      </p:sp>
-      <p:sp>
-        <p:nvSpPr>
-          <p:cNvPr id="9" name="מלבן: פינות מעוגלות 8">
-            <a:extLst>
-              <a:ext uri="{FF2B5EF4-FFF2-40B4-BE49-F238E27FC236}">
-                <a16:creationId xmlns:a16="http://schemas.microsoft.com/office/drawing/2014/main" id="{BC466F0D-069F-0F39-7EBF-D16315D3BB13}"/>
-              </a:ext>
-            </a:extLst>
-          </p:cNvPr>
-          <p:cNvSpPr/>
-          <p:nvPr/>
-        </p:nvSpPr>
-        <p:spPr>
-          <a:xfrm>
-            <a:off x="1835330" y="1678266"/>
-            <a:ext cx="1343610" cy="407164"/>
-          </a:xfrm>
-          <a:prstGeom prst="roundRect">
-            <a:avLst/>
-          </a:prstGeom>
-        </p:spPr>
-        <p:style>
-          <a:lnRef idx="2">
-            <a:schemeClr val="accent1"/>
-          </a:lnRef>
-          <a:fillRef idx="1">
-            <a:schemeClr val="lt1"/>
-          </a:fillRef>
-          <a:effectRef idx="0">
-            <a:schemeClr val="accent1"/>
-          </a:effectRef>
-          <a:fontRef idx="minor">
-            <a:schemeClr val="dk1"/>
-          </a:fontRef>
-        </p:style>
-        <p:txBody>
-          <a:bodyPr rtlCol="1" anchor="ctr"/>
-          <a:lstStyle/>
-          <a:p>
-            <a:pPr algn="ctr"/>
-            <a:r>
-              <a:rPr lang="en-US" dirty="0"/>
-              <a:t>Header</a:t>
-            </a:r>
-          </a:p>
-        </p:txBody>
-      </p:sp>
-      <p:sp>
-        <p:nvSpPr>
-          <p:cNvPr id="10" name="מלבן: פינות מעוגלות 9">
-            <a:extLst>
-              <a:ext uri="{FF2B5EF4-FFF2-40B4-BE49-F238E27FC236}">
-                <a16:creationId xmlns:a16="http://schemas.microsoft.com/office/drawing/2014/main" id="{7F95BCA9-F30A-1136-D13B-BC2A8013892D}"/>
-              </a:ext>
-            </a:extLst>
-          </p:cNvPr>
-          <p:cNvSpPr/>
-          <p:nvPr/>
-        </p:nvSpPr>
-        <p:spPr>
-          <a:xfrm>
-            <a:off x="1686041" y="3510791"/>
-            <a:ext cx="1343610" cy="407164"/>
-          </a:xfrm>
-          <a:prstGeom prst="roundRect">
-            <a:avLst/>
-          </a:prstGeom>
-        </p:spPr>
-        <p:style>
-          <a:lnRef idx="2">
-            <a:schemeClr val="accent1"/>
-          </a:lnRef>
-          <a:fillRef idx="1">
-            <a:schemeClr val="lt1"/>
-          </a:fillRef>
-          <a:effectRef idx="0">
-            <a:schemeClr val="accent1"/>
-          </a:effectRef>
-          <a:fontRef idx="minor">
-            <a:schemeClr val="dk1"/>
-          </a:fontRef>
-        </p:style>
-        <p:txBody>
-          <a:bodyPr rtlCol="1" anchor="ctr"/>
-          <a:lstStyle/>
-          <a:p>
-            <a:pPr algn="ctr"/>
-            <a:r>
-              <a:rPr lang="en-US" dirty="0"/>
-              <a:t>Update</a:t>
-            </a:r>
-          </a:p>
-        </p:txBody>
-      </p:sp>
-      <p:sp>
-        <p:nvSpPr>
-          <p:cNvPr id="11" name="מלבן: פינות מעוגלות 10">
-            <a:extLst>
-              <a:ext uri="{FF2B5EF4-FFF2-40B4-BE49-F238E27FC236}">
-                <a16:creationId xmlns:a16="http://schemas.microsoft.com/office/drawing/2014/main" id="{84372060-A1AB-9409-CADE-8120DA63BF7D}"/>
-              </a:ext>
-            </a:extLst>
-          </p:cNvPr>
-          <p:cNvSpPr/>
-          <p:nvPr/>
-        </p:nvSpPr>
-        <p:spPr>
-          <a:xfrm>
-            <a:off x="8958022" y="1693506"/>
-            <a:ext cx="1343610" cy="407164"/>
-          </a:xfrm>
-          <a:prstGeom prst="roundRect">
-            <a:avLst/>
-          </a:prstGeom>
-        </p:spPr>
-        <p:style>
-          <a:lnRef idx="2">
-            <a:schemeClr val="accent1"/>
-          </a:lnRef>
-          <a:fillRef idx="1">
-            <a:schemeClr val="lt1"/>
-          </a:fillRef>
-          <a:effectRef idx="0">
-            <a:schemeClr val="accent1"/>
-          </a:effectRef>
-          <a:fontRef idx="minor">
-            <a:schemeClr val="dk1"/>
-          </a:fontRef>
-        </p:style>
-        <p:txBody>
-          <a:bodyPr rtlCol="1" anchor="ctr"/>
-          <a:lstStyle/>
-          <a:p>
-            <a:pPr algn="ctr"/>
-            <a:r>
-              <a:rPr lang="en-US" dirty="0"/>
-              <a:t>Recipe</a:t>
-            </a:r>
-          </a:p>
-        </p:txBody>
-      </p:sp>
-      <p:sp>
-        <p:nvSpPr>
-          <p:cNvPr id="12" name="מלבן: פינות מעוגלות 11">
-            <a:extLst>
-              <a:ext uri="{FF2B5EF4-FFF2-40B4-BE49-F238E27FC236}">
-                <a16:creationId xmlns:a16="http://schemas.microsoft.com/office/drawing/2014/main" id="{6B8B6B45-088A-2E09-7A34-A0E1450172DD}"/>
-              </a:ext>
-            </a:extLst>
-          </p:cNvPr>
-          <p:cNvSpPr/>
-          <p:nvPr/>
-        </p:nvSpPr>
-        <p:spPr>
-          <a:xfrm>
-            <a:off x="5978439" y="1693506"/>
-            <a:ext cx="1343610" cy="407164"/>
-          </a:xfrm>
-          <a:prstGeom prst="roundRect">
-            <a:avLst/>
-          </a:prstGeom>
-        </p:spPr>
-        <p:style>
-          <a:lnRef idx="2">
-            <a:schemeClr val="accent1"/>
-          </a:lnRef>
-          <a:fillRef idx="1">
-            <a:schemeClr val="lt1"/>
-          </a:fillRef>
-          <a:effectRef idx="0">
-            <a:schemeClr val="accent1"/>
-          </a:effectRef>
-          <a:fontRef idx="minor">
-            <a:schemeClr val="dk1"/>
-          </a:fontRef>
-        </p:style>
-        <p:txBody>
-          <a:bodyPr rtlCol="1" anchor="ctr"/>
-          <a:lstStyle/>
-          <a:p>
-            <a:pPr algn="ctr"/>
-            <a:r>
-              <a:rPr lang="en-US" dirty="0"/>
-              <a:t>About</a:t>
-            </a:r>
-          </a:p>
-        </p:txBody>
-      </p:sp>
-      <p:sp>
-        <p:nvSpPr>
-          <p:cNvPr id="13" name="מלבן: פינות מעוגלות 12">
-            <a:extLst>
-              <a:ext uri="{FF2B5EF4-FFF2-40B4-BE49-F238E27FC236}">
-                <a16:creationId xmlns:a16="http://schemas.microsoft.com/office/drawing/2014/main" id="{033A4455-6FF4-D4B6-E416-E6101D08C8FF}"/>
-              </a:ext>
-            </a:extLst>
-          </p:cNvPr>
-          <p:cNvSpPr/>
-          <p:nvPr/>
-        </p:nvSpPr>
-        <p:spPr>
-          <a:xfrm>
-            <a:off x="7486895" y="1693506"/>
-            <a:ext cx="1343610" cy="407164"/>
-          </a:xfrm>
-          <a:prstGeom prst="roundRect">
-            <a:avLst/>
-          </a:prstGeom>
-        </p:spPr>
-        <p:style>
-          <a:lnRef idx="2">
-            <a:schemeClr val="accent1"/>
-          </a:lnRef>
-          <a:fillRef idx="1">
-            <a:schemeClr val="lt1"/>
-          </a:fillRef>
-          <a:effectRef idx="0">
-            <a:schemeClr val="accent1"/>
-          </a:effectRef>
-          <a:fontRef idx="minor">
-            <a:schemeClr val="dk1"/>
-          </a:fontRef>
-        </p:style>
-        <p:txBody>
-          <a:bodyPr rtlCol="1" anchor="ctr"/>
-          <a:lstStyle/>
-          <a:p>
-            <a:pPr algn="ctr"/>
-            <a:r>
-              <a:rPr lang="en-US" dirty="0"/>
-              <a:t>Home</a:t>
-            </a:r>
-          </a:p>
-        </p:txBody>
-      </p:sp>
-      <p:sp>
-        <p:nvSpPr>
-          <p:cNvPr id="14" name="מלבן: פינות מעוגלות 13">
-            <a:extLst>
-              <a:ext uri="{FF2B5EF4-FFF2-40B4-BE49-F238E27FC236}">
-                <a16:creationId xmlns:a16="http://schemas.microsoft.com/office/drawing/2014/main" id="{0F1C0FA6-C94C-6658-34F2-CA47A310F296}"/>
-              </a:ext>
-            </a:extLst>
-          </p:cNvPr>
-          <p:cNvSpPr/>
-          <p:nvPr/>
-        </p:nvSpPr>
-        <p:spPr>
-          <a:xfrm>
-            <a:off x="7382152" y="2704744"/>
-            <a:ext cx="1343610" cy="407164"/>
-          </a:xfrm>
-          <a:prstGeom prst="roundRect">
-            <a:avLst/>
-          </a:prstGeom>
-        </p:spPr>
-        <p:style>
-          <a:lnRef idx="2">
-            <a:schemeClr val="accent1"/>
-          </a:lnRef>
-          <a:fillRef idx="1">
-            <a:schemeClr val="lt1"/>
-          </a:fillRef>
-          <a:effectRef idx="0">
-            <a:schemeClr val="accent1"/>
-          </a:effectRef>
-          <a:fontRef idx="minor">
-            <a:schemeClr val="dk1"/>
-          </a:fontRef>
-        </p:style>
-        <p:txBody>
-          <a:bodyPr rtlCol="1" anchor="ctr"/>
-          <a:lstStyle/>
-          <a:p>
-            <a:pPr algn="ctr"/>
-            <a:r>
-              <a:rPr lang="en-US" dirty="0" err="1"/>
-              <a:t>RecipeList</a:t>
-            </a:r>
-            <a:endParaRPr lang="en-US" dirty="0"/>
-          </a:p>
-        </p:txBody>
-      </p:sp>
-      <p:sp>
-        <p:nvSpPr>
-          <p:cNvPr id="15" name="מלבן: פינות מעוגלות 14">
-            <a:extLst>
-              <a:ext uri="{FF2B5EF4-FFF2-40B4-BE49-F238E27FC236}">
-                <a16:creationId xmlns:a16="http://schemas.microsoft.com/office/drawing/2014/main" id="{0E372C87-48DF-8C51-384D-0A7495E1FC94}"/>
-              </a:ext>
-            </a:extLst>
-          </p:cNvPr>
-          <p:cNvSpPr/>
-          <p:nvPr/>
-        </p:nvSpPr>
-        <p:spPr>
-          <a:xfrm>
-            <a:off x="8888295" y="2688826"/>
-            <a:ext cx="1426370" cy="407164"/>
-          </a:xfrm>
-          <a:prstGeom prst="roundRect">
-            <a:avLst/>
-          </a:prstGeom>
-        </p:spPr>
-        <p:style>
-          <a:lnRef idx="2">
-            <a:schemeClr val="accent1"/>
-          </a:lnRef>
-          <a:fillRef idx="1">
-            <a:schemeClr val="lt1"/>
-          </a:fillRef>
-          <a:effectRef idx="0">
-            <a:schemeClr val="accent1"/>
-          </a:effectRef>
-          <a:fontRef idx="minor">
-            <a:schemeClr val="dk1"/>
-          </a:fontRef>
-        </p:style>
-        <p:txBody>
-          <a:bodyPr rtlCol="1" anchor="ctr"/>
-          <a:lstStyle/>
-          <a:p>
-            <a:pPr algn="ctr"/>
-            <a:r>
-              <a:rPr lang="en-US" dirty="0" err="1"/>
-              <a:t>RecipeShow</a:t>
-            </a:r>
-            <a:endParaRPr lang="en-US" dirty="0"/>
-          </a:p>
-        </p:txBody>
-      </p:sp>
-      <p:sp>
-        <p:nvSpPr>
-          <p:cNvPr id="17" name="מלבן: פינות מעוגלות 16">
-            <a:extLst>
-              <a:ext uri="{FF2B5EF4-FFF2-40B4-BE49-F238E27FC236}">
-                <a16:creationId xmlns:a16="http://schemas.microsoft.com/office/drawing/2014/main" id="{04E28FBF-1A0D-EDF7-CDCB-BF5BB6D03A3E}"/>
-              </a:ext>
-            </a:extLst>
-          </p:cNvPr>
-          <p:cNvSpPr/>
-          <p:nvPr/>
-        </p:nvSpPr>
-        <p:spPr>
-          <a:xfrm>
-            <a:off x="8832970" y="3578023"/>
-            <a:ext cx="1527118" cy="407164"/>
-          </a:xfrm>
-          <a:prstGeom prst="roundRect">
-            <a:avLst/>
-          </a:prstGeom>
-        </p:spPr>
-        <p:style>
-          <a:lnRef idx="2">
-            <a:schemeClr val="accent1"/>
-          </a:lnRef>
-          <a:fillRef idx="1">
-            <a:schemeClr val="lt1"/>
-          </a:fillRef>
-          <a:effectRef idx="0">
-            <a:schemeClr val="accent1"/>
-          </a:effectRef>
-          <a:fontRef idx="minor">
-            <a:schemeClr val="dk1"/>
-          </a:fontRef>
-        </p:style>
-        <p:txBody>
-          <a:bodyPr rtlCol="1" anchor="ctr"/>
-          <a:lstStyle/>
-          <a:p>
-            <a:pPr algn="ctr"/>
-            <a:r>
-              <a:rPr lang="en-US" dirty="0" err="1"/>
-              <a:t>UpdateRecipe</a:t>
-            </a:r>
-            <a:endParaRPr lang="en-US" dirty="0"/>
-          </a:p>
-        </p:txBody>
-      </p:sp>
-      <p:sp>
-        <p:nvSpPr>
-          <p:cNvPr id="19" name="מלבן: פינות מעוגלות 18">
-            <a:extLst>
-              <a:ext uri="{FF2B5EF4-FFF2-40B4-BE49-F238E27FC236}">
-                <a16:creationId xmlns:a16="http://schemas.microsoft.com/office/drawing/2014/main" id="{1D6AD283-5693-63AC-7BAD-5322859DE55F}"/>
-              </a:ext>
-            </a:extLst>
-          </p:cNvPr>
-          <p:cNvSpPr/>
-          <p:nvPr/>
-        </p:nvSpPr>
-        <p:spPr>
-          <a:xfrm>
-            <a:off x="9720017" y="4545768"/>
-            <a:ext cx="1343610" cy="407164"/>
-          </a:xfrm>
-          <a:prstGeom prst="roundRect">
-            <a:avLst/>
-          </a:prstGeom>
-        </p:spPr>
-        <p:style>
-          <a:lnRef idx="2">
-            <a:schemeClr val="accent1"/>
-          </a:lnRef>
-          <a:fillRef idx="1">
-            <a:schemeClr val="lt1"/>
-          </a:fillRef>
-          <a:effectRef idx="0">
-            <a:schemeClr val="accent1"/>
-          </a:effectRef>
-          <a:fontRef idx="minor">
-            <a:schemeClr val="dk1"/>
-          </a:fontRef>
-        </p:style>
-        <p:txBody>
-          <a:bodyPr rtlCol="1" anchor="ctr"/>
-          <a:lstStyle/>
-          <a:p>
-            <a:pPr algn="ctr"/>
-            <a:r>
-              <a:rPr lang="en-US" dirty="0" err="1"/>
-              <a:t>RecipeForm</a:t>
-            </a:r>
-            <a:endParaRPr lang="en-US" dirty="0"/>
-          </a:p>
-        </p:txBody>
-      </p:sp>
-      <p:cxnSp>
-        <p:nvCxnSpPr>
-          <p:cNvPr id="28" name="מחבר חץ ישר 27">
-            <a:extLst>
-              <a:ext uri="{FF2B5EF4-FFF2-40B4-BE49-F238E27FC236}">
-                <a16:creationId xmlns:a16="http://schemas.microsoft.com/office/drawing/2014/main" id="{FC87FF54-65EF-7EFF-EF46-AA9C4E4456D0}"/>
-              </a:ext>
-            </a:extLst>
-          </p:cNvPr>
-          <p:cNvCxnSpPr>
-            <a:cxnSpLocks/>
-          </p:cNvCxnSpPr>
-          <p:nvPr/>
-        </p:nvCxnSpPr>
-        <p:spPr>
-          <a:xfrm flipH="1">
-            <a:off x="1036008" y="1995074"/>
-            <a:ext cx="762000" cy="345666"/>
-          </a:xfrm>
-          <a:prstGeom prst="straightConnector1">
-            <a:avLst/>
-          </a:prstGeom>
-          <a:ln>
-            <a:tailEnd type="triangle"/>
-          </a:ln>
-        </p:spPr>
-        <p:style>
-          <a:lnRef idx="1">
-            <a:schemeClr val="accent1"/>
-          </a:lnRef>
-          <a:fillRef idx="0">
-            <a:schemeClr val="accent1"/>
-          </a:fillRef>
-          <a:effectRef idx="0">
-            <a:schemeClr val="accent1"/>
-          </a:effectRef>
-          <a:fontRef idx="minor">
-            <a:schemeClr val="tx1"/>
-          </a:fontRef>
-        </p:style>
-      </p:cxnSp>
-      <p:cxnSp>
-        <p:nvCxnSpPr>
-          <p:cNvPr id="30" name="מחבר חץ ישר 29">
-            <a:extLst>
-              <a:ext uri="{FF2B5EF4-FFF2-40B4-BE49-F238E27FC236}">
-                <a16:creationId xmlns:a16="http://schemas.microsoft.com/office/drawing/2014/main" id="{E14E33A6-3CF5-CAE7-B895-1BB55AAFA925}"/>
-              </a:ext>
-            </a:extLst>
-          </p:cNvPr>
-          <p:cNvCxnSpPr/>
-          <p:nvPr/>
-        </p:nvCxnSpPr>
-        <p:spPr>
-          <a:xfrm>
-            <a:off x="2426258" y="2085430"/>
-            <a:ext cx="12448" cy="346832"/>
-          </a:xfrm>
-          <a:prstGeom prst="straightConnector1">
-            <a:avLst/>
-          </a:prstGeom>
-          <a:ln>
-            <a:tailEnd type="triangle"/>
-          </a:ln>
-        </p:spPr>
-        <p:style>
-          <a:lnRef idx="1">
-            <a:schemeClr val="accent1"/>
-          </a:lnRef>
-          <a:fillRef idx="0">
-            <a:schemeClr val="accent1"/>
-          </a:fillRef>
-          <a:effectRef idx="0">
-            <a:schemeClr val="accent1"/>
-          </a:effectRef>
-          <a:fontRef idx="minor">
-            <a:schemeClr val="tx1"/>
-          </a:fontRef>
-        </p:style>
-      </p:cxnSp>
-      <p:cxnSp>
-        <p:nvCxnSpPr>
-          <p:cNvPr id="31" name="מחבר חץ ישר 30">
-            <a:extLst>
-              <a:ext uri="{FF2B5EF4-FFF2-40B4-BE49-F238E27FC236}">
-                <a16:creationId xmlns:a16="http://schemas.microsoft.com/office/drawing/2014/main" id="{C834CA95-6E38-0A93-C404-20828FA35EB7}"/>
-              </a:ext>
-            </a:extLst>
-          </p:cNvPr>
-          <p:cNvCxnSpPr>
-            <a:cxnSpLocks/>
-          </p:cNvCxnSpPr>
-          <p:nvPr/>
-        </p:nvCxnSpPr>
-        <p:spPr>
-          <a:xfrm>
-            <a:off x="3210038" y="2053219"/>
-            <a:ext cx="559830" cy="360382"/>
-          </a:xfrm>
-          <a:prstGeom prst="straightConnector1">
-            <a:avLst/>
-          </a:prstGeom>
-          <a:ln>
-            <a:tailEnd type="triangle"/>
-          </a:ln>
-        </p:spPr>
-        <p:style>
-          <a:lnRef idx="1">
-            <a:schemeClr val="accent1"/>
-          </a:lnRef>
-          <a:fillRef idx="0">
-            <a:schemeClr val="accent1"/>
-          </a:fillRef>
-          <a:effectRef idx="0">
-            <a:schemeClr val="accent1"/>
-          </a:effectRef>
-          <a:fontRef idx="minor">
-            <a:schemeClr val="tx1"/>
-          </a:fontRef>
-        </p:style>
-      </p:cxnSp>
-      <p:cxnSp>
-        <p:nvCxnSpPr>
-          <p:cNvPr id="35" name="מחבר חץ ישר 34">
-            <a:extLst>
-              <a:ext uri="{FF2B5EF4-FFF2-40B4-BE49-F238E27FC236}">
-                <a16:creationId xmlns:a16="http://schemas.microsoft.com/office/drawing/2014/main" id="{55E46B9C-2C09-66A7-7C56-3F8C8C93FC58}"/>
-              </a:ext>
-            </a:extLst>
-          </p:cNvPr>
-          <p:cNvCxnSpPr>
-            <a:cxnSpLocks/>
-          </p:cNvCxnSpPr>
-          <p:nvPr/>
-        </p:nvCxnSpPr>
-        <p:spPr>
-          <a:xfrm flipH="1">
-            <a:off x="3530078" y="1044746"/>
-            <a:ext cx="1844356" cy="401499"/>
-          </a:xfrm>
-          <a:prstGeom prst="straightConnector1">
-            <a:avLst/>
-          </a:prstGeom>
-          <a:ln>
-            <a:tailEnd type="triangle"/>
-          </a:ln>
-        </p:spPr>
-        <p:style>
-          <a:lnRef idx="1">
-            <a:schemeClr val="accent1"/>
-          </a:lnRef>
-          <a:fillRef idx="0">
-            <a:schemeClr val="accent1"/>
-          </a:fillRef>
-          <a:effectRef idx="0">
-            <a:schemeClr val="accent1"/>
-          </a:effectRef>
-          <a:fontRef idx="minor">
-            <a:schemeClr val="tx1"/>
-          </a:fontRef>
-        </p:style>
-      </p:cxnSp>
-      <p:cxnSp>
-        <p:nvCxnSpPr>
-          <p:cNvPr id="38" name="מחבר חץ ישר 37">
-            <a:extLst>
-              <a:ext uri="{FF2B5EF4-FFF2-40B4-BE49-F238E27FC236}">
-                <a16:creationId xmlns:a16="http://schemas.microsoft.com/office/drawing/2014/main" id="{AEE92345-D66C-5C83-0668-EC3C4E552084}"/>
-              </a:ext>
-            </a:extLst>
-          </p:cNvPr>
-          <p:cNvCxnSpPr>
-            <a:cxnSpLocks/>
-          </p:cNvCxnSpPr>
-          <p:nvPr/>
-        </p:nvCxnSpPr>
-        <p:spPr>
-          <a:xfrm>
-            <a:off x="6549777" y="1165697"/>
-            <a:ext cx="131874" cy="458002"/>
-          </a:xfrm>
-          <a:prstGeom prst="straightConnector1">
-            <a:avLst/>
-          </a:prstGeom>
-          <a:ln>
-            <a:tailEnd type="triangle"/>
-          </a:ln>
-        </p:spPr>
-        <p:style>
-          <a:lnRef idx="1">
-            <a:schemeClr val="accent1"/>
-          </a:lnRef>
-          <a:fillRef idx="0">
-            <a:schemeClr val="accent1"/>
-          </a:fillRef>
-          <a:effectRef idx="0">
-            <a:schemeClr val="accent1"/>
-          </a:effectRef>
-          <a:fontRef idx="minor">
-            <a:schemeClr val="tx1"/>
-          </a:fontRef>
-        </p:style>
-      </p:cxnSp>
-      <p:cxnSp>
-        <p:nvCxnSpPr>
-          <p:cNvPr id="40" name="מחבר חץ ישר 39">
-            <a:extLst>
-              <a:ext uri="{FF2B5EF4-FFF2-40B4-BE49-F238E27FC236}">
-                <a16:creationId xmlns:a16="http://schemas.microsoft.com/office/drawing/2014/main" id="{A9FDFD33-3F22-91ED-2C03-6F9C38F5398A}"/>
-              </a:ext>
-            </a:extLst>
-          </p:cNvPr>
-          <p:cNvCxnSpPr>
-            <a:cxnSpLocks/>
-          </p:cNvCxnSpPr>
-          <p:nvPr/>
-        </p:nvCxnSpPr>
-        <p:spPr>
-          <a:xfrm flipH="1">
-            <a:off x="8289323" y="2137991"/>
-            <a:ext cx="615826" cy="443707"/>
-          </a:xfrm>
-          <a:prstGeom prst="straightConnector1">
-            <a:avLst/>
-          </a:prstGeom>
-          <a:ln>
-            <a:tailEnd type="triangle"/>
-          </a:ln>
-        </p:spPr>
-        <p:style>
-          <a:lnRef idx="1">
-            <a:schemeClr val="accent1"/>
-          </a:lnRef>
-          <a:fillRef idx="0">
-            <a:schemeClr val="accent1"/>
-          </a:fillRef>
-          <a:effectRef idx="0">
-            <a:schemeClr val="accent1"/>
-          </a:effectRef>
-          <a:fontRef idx="minor">
-            <a:schemeClr val="tx1"/>
-          </a:fontRef>
-        </p:style>
-      </p:cxnSp>
-      <p:cxnSp>
-        <p:nvCxnSpPr>
-          <p:cNvPr id="42" name="מחבר חץ ישר 41">
-            <a:extLst>
-              <a:ext uri="{FF2B5EF4-FFF2-40B4-BE49-F238E27FC236}">
-                <a16:creationId xmlns:a16="http://schemas.microsoft.com/office/drawing/2014/main" id="{F4BFA236-4D3B-B923-4082-0582001F247C}"/>
-              </a:ext>
-            </a:extLst>
-          </p:cNvPr>
-          <p:cNvCxnSpPr>
-            <a:cxnSpLocks/>
-          </p:cNvCxnSpPr>
-          <p:nvPr/>
-        </p:nvCxnSpPr>
-        <p:spPr>
-          <a:xfrm>
-            <a:off x="9720017" y="2137991"/>
-            <a:ext cx="0" cy="529009"/>
-          </a:xfrm>
-          <a:prstGeom prst="straightConnector1">
-            <a:avLst/>
-          </a:prstGeom>
-          <a:ln>
-            <a:tailEnd type="triangle"/>
-          </a:ln>
-        </p:spPr>
-        <p:style>
-          <a:lnRef idx="1">
-            <a:schemeClr val="accent1"/>
-          </a:lnRef>
-          <a:fillRef idx="0">
-            <a:schemeClr val="accent1"/>
-          </a:fillRef>
-          <a:effectRef idx="0">
-            <a:schemeClr val="accent1"/>
-          </a:effectRef>
-          <a:fontRef idx="minor">
-            <a:schemeClr val="tx1"/>
-          </a:fontRef>
-        </p:style>
-      </p:cxnSp>
-      <p:cxnSp>
-        <p:nvCxnSpPr>
-          <p:cNvPr id="46" name="מחבר חץ ישר 45">
-            <a:extLst>
-              <a:ext uri="{FF2B5EF4-FFF2-40B4-BE49-F238E27FC236}">
-                <a16:creationId xmlns:a16="http://schemas.microsoft.com/office/drawing/2014/main" id="{E11492CA-A005-8636-33B5-B26BAE5269B4}"/>
-              </a:ext>
-            </a:extLst>
-          </p:cNvPr>
-          <p:cNvCxnSpPr>
-            <a:cxnSpLocks/>
-          </p:cNvCxnSpPr>
-          <p:nvPr/>
-        </p:nvCxnSpPr>
-        <p:spPr>
-          <a:xfrm>
-            <a:off x="9627009" y="3111908"/>
-            <a:ext cx="0" cy="421387"/>
-          </a:xfrm>
-          <a:prstGeom prst="straightConnector1">
-            <a:avLst/>
-          </a:prstGeom>
-          <a:ln>
-            <a:tailEnd type="triangle"/>
-          </a:ln>
-        </p:spPr>
-        <p:style>
-          <a:lnRef idx="1">
-            <a:schemeClr val="accent1"/>
-          </a:lnRef>
-          <a:fillRef idx="0">
-            <a:schemeClr val="accent1"/>
-          </a:fillRef>
-          <a:effectRef idx="0">
-            <a:schemeClr val="accent1"/>
-          </a:effectRef>
-          <a:fontRef idx="minor">
-            <a:schemeClr val="tx1"/>
-          </a:fontRef>
-        </p:style>
-      </p:cxnSp>
-      <p:cxnSp>
-        <p:nvCxnSpPr>
-          <p:cNvPr id="48" name="מחבר חץ ישר 47">
-            <a:extLst>
-              <a:ext uri="{FF2B5EF4-FFF2-40B4-BE49-F238E27FC236}">
-                <a16:creationId xmlns:a16="http://schemas.microsoft.com/office/drawing/2014/main" id="{07991116-9498-67A2-0AA5-2740A1ECF41D}"/>
-              </a:ext>
-            </a:extLst>
-          </p:cNvPr>
-          <p:cNvCxnSpPr>
-            <a:cxnSpLocks/>
-          </p:cNvCxnSpPr>
-          <p:nvPr/>
-        </p:nvCxnSpPr>
-        <p:spPr>
-          <a:xfrm>
-            <a:off x="9579429" y="4015690"/>
-            <a:ext cx="722203" cy="451674"/>
-          </a:xfrm>
-          <a:prstGeom prst="straightConnector1">
-            <a:avLst/>
-          </a:prstGeom>
-          <a:ln>
-            <a:tailEnd type="triangle"/>
-          </a:ln>
-        </p:spPr>
-        <p:style>
-          <a:lnRef idx="1">
-            <a:schemeClr val="accent1"/>
-          </a:lnRef>
-          <a:fillRef idx="0">
-            <a:schemeClr val="accent1"/>
-          </a:fillRef>
-          <a:effectRef idx="0">
-            <a:schemeClr val="accent1"/>
-          </a:effectRef>
-          <a:fontRef idx="minor">
-            <a:schemeClr val="tx1"/>
-          </a:fontRef>
-        </p:style>
-      </p:cxnSp>
-      <p:cxnSp>
-        <p:nvCxnSpPr>
-          <p:cNvPr id="49" name="מחבר חץ ישר 48">
-            <a:extLst>
-              <a:ext uri="{FF2B5EF4-FFF2-40B4-BE49-F238E27FC236}">
-                <a16:creationId xmlns:a16="http://schemas.microsoft.com/office/drawing/2014/main" id="{8E7847D0-BC52-1A52-2521-54A6FEB65449}"/>
-              </a:ext>
-            </a:extLst>
-          </p:cNvPr>
-          <p:cNvCxnSpPr>
-            <a:cxnSpLocks/>
-          </p:cNvCxnSpPr>
-          <p:nvPr/>
-        </p:nvCxnSpPr>
-        <p:spPr>
-          <a:xfrm flipH="1">
-            <a:off x="10561320" y="2118360"/>
-            <a:ext cx="523238" cy="2349004"/>
-          </a:xfrm>
-          <a:prstGeom prst="straightConnector1">
-            <a:avLst/>
-          </a:prstGeom>
-          <a:ln>
-            <a:tailEnd type="triangle"/>
-          </a:ln>
-        </p:spPr>
-        <p:style>
-          <a:lnRef idx="1">
-            <a:schemeClr val="accent1"/>
-          </a:lnRef>
-          <a:fillRef idx="0">
-            <a:schemeClr val="accent1"/>
-          </a:fillRef>
-          <a:effectRef idx="0">
-            <a:schemeClr val="accent1"/>
-          </a:effectRef>
-          <a:fontRef idx="minor">
-            <a:schemeClr val="tx1"/>
-          </a:fontRef>
-        </p:style>
-      </p:cxnSp>
-      <p:sp>
-        <p:nvSpPr>
-          <p:cNvPr id="2" name="מלבן: פינות מעוגלות 1">
-            <a:extLst>
-              <a:ext uri="{FF2B5EF4-FFF2-40B4-BE49-F238E27FC236}">
-                <a16:creationId xmlns:a16="http://schemas.microsoft.com/office/drawing/2014/main" id="{BBDC78A0-A641-A2AD-38E9-CEF8C36945A4}"/>
-              </a:ext>
-            </a:extLst>
-          </p:cNvPr>
-          <p:cNvSpPr/>
-          <p:nvPr/>
-        </p:nvSpPr>
-        <p:spPr>
-          <a:xfrm>
-            <a:off x="1686041" y="4467364"/>
-            <a:ext cx="1343610" cy="407164"/>
-          </a:xfrm>
-          <a:prstGeom prst="roundRect">
-            <a:avLst/>
-          </a:prstGeom>
-        </p:spPr>
-        <p:style>
-          <a:lnRef idx="2">
-            <a:schemeClr val="accent1"/>
-          </a:lnRef>
-          <a:fillRef idx="1">
-            <a:schemeClr val="lt1"/>
-          </a:fillRef>
-          <a:effectRef idx="0">
-            <a:schemeClr val="accent1"/>
-          </a:effectRef>
-          <a:fontRef idx="minor">
-            <a:schemeClr val="dk1"/>
-          </a:fontRef>
-        </p:style>
-        <p:txBody>
-          <a:bodyPr rtlCol="1" anchor="ctr"/>
-          <a:lstStyle/>
-          <a:p>
-            <a:pPr algn="ctr"/>
-            <a:r>
-              <a:rPr lang="en-US" dirty="0"/>
-              <a:t>Input</a:t>
-            </a:r>
-          </a:p>
-        </p:txBody>
-      </p:sp>
-      <p:cxnSp>
-        <p:nvCxnSpPr>
-          <p:cNvPr id="3" name="מחבר חץ ישר 2">
-            <a:extLst>
-              <a:ext uri="{FF2B5EF4-FFF2-40B4-BE49-F238E27FC236}">
-                <a16:creationId xmlns:a16="http://schemas.microsoft.com/office/drawing/2014/main" id="{9C28715E-8517-CC4A-705D-55C1A2B510DF}"/>
-              </a:ext>
-            </a:extLst>
-          </p:cNvPr>
-          <p:cNvCxnSpPr>
-            <a:cxnSpLocks/>
-          </p:cNvCxnSpPr>
-          <p:nvPr/>
-        </p:nvCxnSpPr>
-        <p:spPr>
-          <a:xfrm>
-            <a:off x="2414527" y="3938355"/>
-            <a:ext cx="4279" cy="529009"/>
-          </a:xfrm>
-          <a:prstGeom prst="straightConnector1">
-            <a:avLst/>
-          </a:prstGeom>
-          <a:ln>
-            <a:tailEnd type="triangle"/>
-          </a:ln>
-        </p:spPr>
-        <p:style>
-          <a:lnRef idx="1">
-            <a:schemeClr val="accent1"/>
-          </a:lnRef>
-          <a:fillRef idx="0">
-            <a:schemeClr val="accent1"/>
-          </a:fillRef>
-          <a:effectRef idx="0">
-            <a:schemeClr val="accent1"/>
-          </a:effectRef>
-          <a:fontRef idx="minor">
-            <a:schemeClr val="tx1"/>
-          </a:fontRef>
-        </p:style>
-      </p:cxnSp>
-      <p:sp>
-        <p:nvSpPr>
-          <p:cNvPr id="32" name="מלבן: פינות מעוגלות 31">
-            <a:extLst>
-              <a:ext uri="{FF2B5EF4-FFF2-40B4-BE49-F238E27FC236}">
-                <a16:creationId xmlns:a16="http://schemas.microsoft.com/office/drawing/2014/main" id="{F1E5BD56-9B8D-ACF0-C041-50B2E8F533E3}"/>
-              </a:ext>
-            </a:extLst>
-          </p:cNvPr>
-          <p:cNvSpPr/>
-          <p:nvPr/>
-        </p:nvSpPr>
-        <p:spPr>
-          <a:xfrm>
-            <a:off x="10441900" y="1693506"/>
-            <a:ext cx="1343610" cy="407164"/>
-          </a:xfrm>
-          <a:prstGeom prst="roundRect">
-            <a:avLst/>
-          </a:prstGeom>
-        </p:spPr>
-        <p:style>
-          <a:lnRef idx="2">
-            <a:schemeClr val="accent1"/>
-          </a:lnRef>
-          <a:fillRef idx="1">
-            <a:schemeClr val="lt1"/>
-          </a:fillRef>
-          <a:effectRef idx="0">
-            <a:schemeClr val="accent1"/>
-          </a:effectRef>
-          <a:fontRef idx="minor">
-            <a:schemeClr val="dk1"/>
-          </a:fontRef>
-        </p:style>
-        <p:txBody>
-          <a:bodyPr rtlCol="1" anchor="ctr"/>
-          <a:lstStyle/>
-          <a:p>
-            <a:pPr algn="ctr"/>
-            <a:r>
-              <a:rPr lang="en-US" dirty="0" err="1"/>
-              <a:t>AddRecipe</a:t>
-            </a:r>
-            <a:endParaRPr lang="en-US" dirty="0"/>
-          </a:p>
-        </p:txBody>
-      </p:sp>
-      <p:cxnSp>
-        <p:nvCxnSpPr>
-          <p:cNvPr id="34" name="מחבר חץ ישר 33">
-            <a:extLst>
-              <a:ext uri="{FF2B5EF4-FFF2-40B4-BE49-F238E27FC236}">
-                <a16:creationId xmlns:a16="http://schemas.microsoft.com/office/drawing/2014/main" id="{491FA032-A864-91B5-C7EB-92E77AC22BC1}"/>
-              </a:ext>
-            </a:extLst>
-          </p:cNvPr>
-          <p:cNvCxnSpPr>
-            <a:cxnSpLocks/>
-          </p:cNvCxnSpPr>
-          <p:nvPr/>
-        </p:nvCxnSpPr>
-        <p:spPr>
-          <a:xfrm>
-            <a:off x="2427501" y="2940684"/>
-            <a:ext cx="4279" cy="529009"/>
-          </a:xfrm>
-          <a:prstGeom prst="straightConnector1">
-            <a:avLst/>
-          </a:prstGeom>
-          <a:ln>
-            <a:tailEnd type="triangle"/>
-          </a:ln>
-        </p:spPr>
-        <p:style>
-          <a:lnRef idx="1">
-            <a:schemeClr val="accent1"/>
-          </a:lnRef>
-          <a:fillRef idx="0">
-            <a:schemeClr val="accent1"/>
-          </a:fillRef>
-          <a:effectRef idx="0">
-            <a:schemeClr val="accent1"/>
-          </a:effectRef>
-          <a:fontRef idx="minor">
-            <a:schemeClr val="tx1"/>
-          </a:fontRef>
-        </p:style>
-      </p:cxnSp>
-      <p:cxnSp>
-        <p:nvCxnSpPr>
-          <p:cNvPr id="39" name="מחבר חץ ישר 38">
-            <a:extLst>
-              <a:ext uri="{FF2B5EF4-FFF2-40B4-BE49-F238E27FC236}">
-                <a16:creationId xmlns:a16="http://schemas.microsoft.com/office/drawing/2014/main" id="{DA465C38-E5C9-E8EF-7138-D7DFEEBAD3D6}"/>
-              </a:ext>
-            </a:extLst>
-          </p:cNvPr>
-          <p:cNvCxnSpPr>
-            <a:cxnSpLocks/>
-          </p:cNvCxnSpPr>
-          <p:nvPr/>
-        </p:nvCxnSpPr>
-        <p:spPr>
-          <a:xfrm>
-            <a:off x="6903720" y="1095891"/>
-            <a:ext cx="1168474" cy="527808"/>
-          </a:xfrm>
-          <a:prstGeom prst="straightConnector1">
-            <a:avLst/>
-          </a:prstGeom>
-          <a:ln>
-            <a:tailEnd type="triangle"/>
-          </a:ln>
-        </p:spPr>
-        <p:style>
-          <a:lnRef idx="1">
-            <a:schemeClr val="accent1"/>
-          </a:lnRef>
-          <a:fillRef idx="0">
-            <a:schemeClr val="accent1"/>
-          </a:fillRef>
-          <a:effectRef idx="0">
-            <a:schemeClr val="accent1"/>
-          </a:effectRef>
-          <a:fontRef idx="minor">
-            <a:schemeClr val="tx1"/>
-          </a:fontRef>
-        </p:style>
-      </p:cxnSp>
-      <p:cxnSp>
-        <p:nvCxnSpPr>
-          <p:cNvPr id="44" name="מחבר חץ ישר 43">
-            <a:extLst>
-              <a:ext uri="{FF2B5EF4-FFF2-40B4-BE49-F238E27FC236}">
-                <a16:creationId xmlns:a16="http://schemas.microsoft.com/office/drawing/2014/main" id="{9D40B62B-8236-073D-CBA5-80CC9CD636BE}"/>
-              </a:ext>
-            </a:extLst>
-          </p:cNvPr>
-          <p:cNvCxnSpPr>
-            <a:cxnSpLocks/>
-          </p:cNvCxnSpPr>
-          <p:nvPr/>
-        </p:nvCxnSpPr>
-        <p:spPr>
-          <a:xfrm>
-            <a:off x="6886920" y="894982"/>
-            <a:ext cx="2714560" cy="728717"/>
-          </a:xfrm>
-          <a:prstGeom prst="straightConnector1">
-            <a:avLst/>
-          </a:prstGeom>
-          <a:ln>
-            <a:tailEnd type="triangle"/>
-          </a:ln>
-        </p:spPr>
-        <p:style>
-          <a:lnRef idx="1">
-            <a:schemeClr val="accent1"/>
-          </a:lnRef>
-          <a:fillRef idx="0">
-            <a:schemeClr val="accent1"/>
-          </a:fillRef>
-          <a:effectRef idx="0">
-            <a:schemeClr val="accent1"/>
-          </a:effectRef>
-          <a:fontRef idx="minor">
-            <a:schemeClr val="tx1"/>
-          </a:fontRef>
-        </p:style>
-      </p:cxnSp>
-      <p:cxnSp>
-        <p:nvCxnSpPr>
-          <p:cNvPr id="50" name="מחבר חץ ישר 49">
-            <a:extLst>
-              <a:ext uri="{FF2B5EF4-FFF2-40B4-BE49-F238E27FC236}">
-                <a16:creationId xmlns:a16="http://schemas.microsoft.com/office/drawing/2014/main" id="{EE2EFC88-C824-62A0-C92D-17D10916E09E}"/>
-              </a:ext>
-            </a:extLst>
-          </p:cNvPr>
-          <p:cNvCxnSpPr>
-            <a:cxnSpLocks/>
-          </p:cNvCxnSpPr>
-          <p:nvPr/>
-        </p:nvCxnSpPr>
-        <p:spPr>
-          <a:xfrm>
-            <a:off x="6886920" y="725119"/>
-            <a:ext cx="4024920" cy="898580"/>
-          </a:xfrm>
-          <a:prstGeom prst="straightConnector1">
-            <a:avLst/>
-          </a:prstGeom>
-          <a:ln>
-            <a:tailEnd type="triangle"/>
-          </a:ln>
-        </p:spPr>
-        <p:style>
-          <a:lnRef idx="1">
-            <a:schemeClr val="accent1"/>
-          </a:lnRef>
-          <a:fillRef idx="0">
-            <a:schemeClr val="accent1"/>
-          </a:fillRef>
-          <a:effectRef idx="0">
-            <a:schemeClr val="accent1"/>
-          </a:effectRef>
-          <a:fontRef idx="minor">
-            <a:schemeClr val="tx1"/>
-          </a:fontRef>
-        </p:style>
-      </p:cxnSp>
-    </p:spTree>
-    <p:extLst>
-      <p:ext uri="{BB962C8B-B14F-4D97-AF65-F5344CB8AC3E}">
-        <p14:creationId xmlns:p14="http://schemas.microsoft.com/office/powerpoint/2010/main" val="1662705717"/>
       </p:ext>
     </p:extLst>
   </p:cSld>
